--- a/TON VINH CHUA HANG HUU/TVCHH 080 - Cung Kính Tôn Vinh.pptx
+++ b/TON VINH CHUA HANG HUU/TVCHH 080 - Cung Kính Tôn Vinh.pptx
@@ -250,7 +250,7 @@
           <a:p>
             <a:fld id="{492B50D4-599F-4C88-B581-BA39A5B6BEE4}" type="datetimeFigureOut">
               <a:rPr lang="en-US" smtClean="0"/>
-              <a:t>4/2/2013</a:t>
+              <a:t>7/28/19</a:t>
             </a:fld>
             <a:endParaRPr lang="en-US"/>
           </a:p>
@@ -314,38 +314,37 @@
           <a:p>
             <a:pPr lvl="0"/>
             <a:r>
-              <a:rPr lang="en-US" smtClean="0"/>
+              <a:rPr lang="en-US"/>
               <a:t>Click to edit Master text styles</a:t>
             </a:r>
           </a:p>
           <a:p>
             <a:pPr lvl="1"/>
             <a:r>
-              <a:rPr lang="en-US" smtClean="0"/>
+              <a:rPr lang="en-US"/>
               <a:t>Second level</a:t>
             </a:r>
           </a:p>
           <a:p>
             <a:pPr lvl="2"/>
             <a:r>
-              <a:rPr lang="en-US" smtClean="0"/>
+              <a:rPr lang="en-US"/>
               <a:t>Third level</a:t>
             </a:r>
           </a:p>
           <a:p>
             <a:pPr lvl="3"/>
             <a:r>
-              <a:rPr lang="en-US" smtClean="0"/>
+              <a:rPr lang="en-US"/>
               <a:t>Fourth level</a:t>
             </a:r>
           </a:p>
           <a:p>
             <a:pPr lvl="4"/>
             <a:r>
-              <a:rPr lang="en-US" smtClean="0"/>
+              <a:rPr lang="en-US"/>
               <a:t>Fifth level</a:t>
             </a:r>
-            <a:endParaRPr lang="en-US"/>
           </a:p>
         </p:txBody>
       </p:sp>
@@ -556,10 +555,9 @@
           <a:lstStyle/>
           <a:p>
             <a:r>
-              <a:rPr lang="en-US" smtClean="0"/>
+              <a:rPr lang="en-US"/>
               <a:t>Click to edit Master title style</a:t>
             </a:r>
-            <a:endParaRPr lang="en-US"/>
           </a:p>
         </p:txBody>
       </p:sp>
@@ -675,10 +673,9 @@
           </a:lstStyle>
           <a:p>
             <a:r>
-              <a:rPr lang="en-US" smtClean="0"/>
+              <a:rPr lang="en-US"/>
               <a:t>Click to edit Master subtitle style</a:t>
             </a:r>
-            <a:endParaRPr lang="en-US"/>
           </a:p>
         </p:txBody>
       </p:sp>
@@ -709,7 +706,7 @@
               <a:pPr>
                 <a:defRPr/>
               </a:pPr>
-              <a:t>4/2/2013</a:t>
+              <a:t>7/28/19</a:t>
             </a:fld>
             <a:endParaRPr lang="en-US"/>
           </a:p>
@@ -815,10 +812,9 @@
           <a:lstStyle/>
           <a:p>
             <a:r>
-              <a:rPr lang="en-US" smtClean="0"/>
+              <a:rPr lang="en-US"/>
               <a:t>Click to edit Master title style</a:t>
             </a:r>
-            <a:endParaRPr lang="en-US"/>
           </a:p>
         </p:txBody>
       </p:sp>
@@ -839,38 +835,37 @@
           <a:p>
             <a:pPr lvl="0"/>
             <a:r>
-              <a:rPr lang="en-US" smtClean="0"/>
+              <a:rPr lang="en-US"/>
               <a:t>Click to edit Master text styles</a:t>
             </a:r>
           </a:p>
           <a:p>
             <a:pPr lvl="1"/>
             <a:r>
-              <a:rPr lang="en-US" smtClean="0"/>
+              <a:rPr lang="en-US"/>
               <a:t>Second level</a:t>
             </a:r>
           </a:p>
           <a:p>
             <a:pPr lvl="2"/>
             <a:r>
-              <a:rPr lang="en-US" smtClean="0"/>
+              <a:rPr lang="en-US"/>
               <a:t>Third level</a:t>
             </a:r>
           </a:p>
           <a:p>
             <a:pPr lvl="3"/>
             <a:r>
-              <a:rPr lang="en-US" smtClean="0"/>
+              <a:rPr lang="en-US"/>
               <a:t>Fourth level</a:t>
             </a:r>
           </a:p>
           <a:p>
             <a:pPr lvl="4"/>
             <a:r>
-              <a:rPr lang="en-US" smtClean="0"/>
+              <a:rPr lang="en-US"/>
               <a:t>Fifth level</a:t>
             </a:r>
-            <a:endParaRPr lang="en-US"/>
           </a:p>
         </p:txBody>
       </p:sp>
@@ -901,7 +896,7 @@
               <a:pPr>
                 <a:defRPr/>
               </a:pPr>
-              <a:t>4/2/2013</a:t>
+              <a:t>7/28/19</a:t>
             </a:fld>
             <a:endParaRPr lang="en-US"/>
           </a:p>
@@ -1012,10 +1007,9 @@
           <a:lstStyle/>
           <a:p>
             <a:r>
-              <a:rPr lang="en-US" smtClean="0"/>
+              <a:rPr lang="en-US"/>
               <a:t>Click to edit Master title style</a:t>
             </a:r>
-            <a:endParaRPr lang="en-US"/>
           </a:p>
         </p:txBody>
       </p:sp>
@@ -1041,38 +1035,37 @@
           <a:p>
             <a:pPr lvl="0"/>
             <a:r>
-              <a:rPr lang="en-US" smtClean="0"/>
+              <a:rPr lang="en-US"/>
               <a:t>Click to edit Master text styles</a:t>
             </a:r>
           </a:p>
           <a:p>
             <a:pPr lvl="1"/>
             <a:r>
-              <a:rPr lang="en-US" smtClean="0"/>
+              <a:rPr lang="en-US"/>
               <a:t>Second level</a:t>
             </a:r>
           </a:p>
           <a:p>
             <a:pPr lvl="2"/>
             <a:r>
-              <a:rPr lang="en-US" smtClean="0"/>
+              <a:rPr lang="en-US"/>
               <a:t>Third level</a:t>
             </a:r>
           </a:p>
           <a:p>
             <a:pPr lvl="3"/>
             <a:r>
-              <a:rPr lang="en-US" smtClean="0"/>
+              <a:rPr lang="en-US"/>
               <a:t>Fourth level</a:t>
             </a:r>
           </a:p>
           <a:p>
             <a:pPr lvl="4"/>
             <a:r>
-              <a:rPr lang="en-US" smtClean="0"/>
+              <a:rPr lang="en-US"/>
               <a:t>Fifth level</a:t>
             </a:r>
-            <a:endParaRPr lang="en-US"/>
           </a:p>
         </p:txBody>
       </p:sp>
@@ -1103,7 +1096,7 @@
               <a:pPr>
                 <a:defRPr/>
               </a:pPr>
-              <a:t>4/2/2013</a:t>
+              <a:t>7/28/19</a:t>
             </a:fld>
             <a:endParaRPr lang="en-US"/>
           </a:p>
@@ -1209,10 +1202,9 @@
           <a:lstStyle/>
           <a:p>
             <a:r>
-              <a:rPr lang="en-US" smtClean="0"/>
+              <a:rPr lang="en-US"/>
               <a:t>Click to edit Master title style</a:t>
             </a:r>
-            <a:endParaRPr lang="en-US"/>
           </a:p>
         </p:txBody>
       </p:sp>
@@ -1233,38 +1225,37 @@
           <a:p>
             <a:pPr lvl="0"/>
             <a:r>
-              <a:rPr lang="en-US" smtClean="0"/>
+              <a:rPr lang="en-US"/>
               <a:t>Click to edit Master text styles</a:t>
             </a:r>
           </a:p>
           <a:p>
             <a:pPr lvl="1"/>
             <a:r>
-              <a:rPr lang="en-US" smtClean="0"/>
+              <a:rPr lang="en-US"/>
               <a:t>Second level</a:t>
             </a:r>
           </a:p>
           <a:p>
             <a:pPr lvl="2"/>
             <a:r>
-              <a:rPr lang="en-US" smtClean="0"/>
+              <a:rPr lang="en-US"/>
               <a:t>Third level</a:t>
             </a:r>
           </a:p>
           <a:p>
             <a:pPr lvl="3"/>
             <a:r>
-              <a:rPr lang="en-US" smtClean="0"/>
+              <a:rPr lang="en-US"/>
               <a:t>Fourth level</a:t>
             </a:r>
           </a:p>
           <a:p>
             <a:pPr lvl="4"/>
             <a:r>
-              <a:rPr lang="en-US" smtClean="0"/>
+              <a:rPr lang="en-US"/>
               <a:t>Fifth level</a:t>
             </a:r>
-            <a:endParaRPr lang="en-US"/>
           </a:p>
         </p:txBody>
       </p:sp>
@@ -1295,7 +1286,7 @@
               <a:pPr>
                 <a:defRPr/>
               </a:pPr>
-              <a:t>4/2/2013</a:t>
+              <a:t>7/28/19</a:t>
             </a:fld>
             <a:endParaRPr lang="en-US"/>
           </a:p>
@@ -1410,10 +1401,9 @@
           </a:lstStyle>
           <a:p>
             <a:r>
-              <a:rPr lang="en-US" smtClean="0"/>
+              <a:rPr lang="en-US"/>
               <a:t>Click to edit Master title style</a:t>
             </a:r>
-            <a:endParaRPr lang="en-US"/>
           </a:p>
         </p:txBody>
       </p:sp>
@@ -1530,7 +1520,7 @@
           <a:p>
             <a:pPr lvl="0"/>
             <a:r>
-              <a:rPr lang="en-US" smtClean="0"/>
+              <a:rPr lang="en-US"/>
               <a:t>Click to edit Master text styles</a:t>
             </a:r>
           </a:p>
@@ -1563,7 +1553,7 @@
               <a:pPr>
                 <a:defRPr/>
               </a:pPr>
-              <a:t>4/2/2013</a:t>
+              <a:t>7/28/19</a:t>
             </a:fld>
             <a:endParaRPr lang="en-US"/>
           </a:p>
@@ -1669,10 +1659,9 @@
           <a:lstStyle/>
           <a:p>
             <a:r>
-              <a:rPr lang="en-US" smtClean="0"/>
+              <a:rPr lang="en-US"/>
               <a:t>Click to edit Master title style</a:t>
             </a:r>
-            <a:endParaRPr lang="en-US"/>
           </a:p>
         </p:txBody>
       </p:sp>
@@ -1726,38 +1715,37 @@
           <a:p>
             <a:pPr lvl="0"/>
             <a:r>
-              <a:rPr lang="en-US" smtClean="0"/>
+              <a:rPr lang="en-US"/>
               <a:t>Click to edit Master text styles</a:t>
             </a:r>
           </a:p>
           <a:p>
             <a:pPr lvl="1"/>
             <a:r>
-              <a:rPr lang="en-US" smtClean="0"/>
+              <a:rPr lang="en-US"/>
               <a:t>Second level</a:t>
             </a:r>
           </a:p>
           <a:p>
             <a:pPr lvl="2"/>
             <a:r>
-              <a:rPr lang="en-US" smtClean="0"/>
+              <a:rPr lang="en-US"/>
               <a:t>Third level</a:t>
             </a:r>
           </a:p>
           <a:p>
             <a:pPr lvl="3"/>
             <a:r>
-              <a:rPr lang="en-US" smtClean="0"/>
+              <a:rPr lang="en-US"/>
               <a:t>Fourth level</a:t>
             </a:r>
           </a:p>
           <a:p>
             <a:pPr lvl="4"/>
             <a:r>
-              <a:rPr lang="en-US" smtClean="0"/>
+              <a:rPr lang="en-US"/>
               <a:t>Fifth level</a:t>
             </a:r>
-            <a:endParaRPr lang="en-US"/>
           </a:p>
         </p:txBody>
       </p:sp>
@@ -1811,38 +1799,37 @@
           <a:p>
             <a:pPr lvl="0"/>
             <a:r>
-              <a:rPr lang="en-US" smtClean="0"/>
+              <a:rPr lang="en-US"/>
               <a:t>Click to edit Master text styles</a:t>
             </a:r>
           </a:p>
           <a:p>
             <a:pPr lvl="1"/>
             <a:r>
-              <a:rPr lang="en-US" smtClean="0"/>
+              <a:rPr lang="en-US"/>
               <a:t>Second level</a:t>
             </a:r>
           </a:p>
           <a:p>
             <a:pPr lvl="2"/>
             <a:r>
-              <a:rPr lang="en-US" smtClean="0"/>
+              <a:rPr lang="en-US"/>
               <a:t>Third level</a:t>
             </a:r>
           </a:p>
           <a:p>
             <a:pPr lvl="3"/>
             <a:r>
-              <a:rPr lang="en-US" smtClean="0"/>
+              <a:rPr lang="en-US"/>
               <a:t>Fourth level</a:t>
             </a:r>
           </a:p>
           <a:p>
             <a:pPr lvl="4"/>
             <a:r>
-              <a:rPr lang="en-US" smtClean="0"/>
+              <a:rPr lang="en-US"/>
               <a:t>Fifth level</a:t>
             </a:r>
-            <a:endParaRPr lang="en-US"/>
           </a:p>
         </p:txBody>
       </p:sp>
@@ -1873,7 +1860,7 @@
               <a:pPr>
                 <a:defRPr/>
               </a:pPr>
-              <a:t>4/2/2013</a:t>
+              <a:t>7/28/19</a:t>
             </a:fld>
             <a:endParaRPr lang="en-US"/>
           </a:p>
@@ -1983,10 +1970,9 @@
           </a:lstStyle>
           <a:p>
             <a:r>
-              <a:rPr lang="en-US" smtClean="0"/>
+              <a:rPr lang="en-US"/>
               <a:t>Click to edit Master title style</a:t>
             </a:r>
-            <a:endParaRPr lang="en-US"/>
           </a:p>
         </p:txBody>
       </p:sp>
@@ -2049,7 +2035,7 @@
           <a:p>
             <a:pPr lvl="0"/>
             <a:r>
-              <a:rPr lang="en-US" smtClean="0"/>
+              <a:rPr lang="en-US"/>
               <a:t>Click to edit Master text styles</a:t>
             </a:r>
           </a:p>
@@ -2105,38 +2091,37 @@
           <a:p>
             <a:pPr lvl="0"/>
             <a:r>
-              <a:rPr lang="en-US" smtClean="0"/>
+              <a:rPr lang="en-US"/>
               <a:t>Click to edit Master text styles</a:t>
             </a:r>
           </a:p>
           <a:p>
             <a:pPr lvl="1"/>
             <a:r>
-              <a:rPr lang="en-US" smtClean="0"/>
+              <a:rPr lang="en-US"/>
               <a:t>Second level</a:t>
             </a:r>
           </a:p>
           <a:p>
             <a:pPr lvl="2"/>
             <a:r>
-              <a:rPr lang="en-US" smtClean="0"/>
+              <a:rPr lang="en-US"/>
               <a:t>Third level</a:t>
             </a:r>
           </a:p>
           <a:p>
             <a:pPr lvl="3"/>
             <a:r>
-              <a:rPr lang="en-US" smtClean="0"/>
+              <a:rPr lang="en-US"/>
               <a:t>Fourth level</a:t>
             </a:r>
           </a:p>
           <a:p>
             <a:pPr lvl="4"/>
             <a:r>
-              <a:rPr lang="en-US" smtClean="0"/>
+              <a:rPr lang="en-US"/>
               <a:t>Fifth level</a:t>
             </a:r>
-            <a:endParaRPr lang="en-US"/>
           </a:p>
         </p:txBody>
       </p:sp>
@@ -2199,7 +2184,7 @@
           <a:p>
             <a:pPr lvl="0"/>
             <a:r>
-              <a:rPr lang="en-US" smtClean="0"/>
+              <a:rPr lang="en-US"/>
               <a:t>Click to edit Master text styles</a:t>
             </a:r>
           </a:p>
@@ -2255,38 +2240,37 @@
           <a:p>
             <a:pPr lvl="0"/>
             <a:r>
-              <a:rPr lang="en-US" smtClean="0"/>
+              <a:rPr lang="en-US"/>
               <a:t>Click to edit Master text styles</a:t>
             </a:r>
           </a:p>
           <a:p>
             <a:pPr lvl="1"/>
             <a:r>
-              <a:rPr lang="en-US" smtClean="0"/>
+              <a:rPr lang="en-US"/>
               <a:t>Second level</a:t>
             </a:r>
           </a:p>
           <a:p>
             <a:pPr lvl="2"/>
             <a:r>
-              <a:rPr lang="en-US" smtClean="0"/>
+              <a:rPr lang="en-US"/>
               <a:t>Third level</a:t>
             </a:r>
           </a:p>
           <a:p>
             <a:pPr lvl="3"/>
             <a:r>
-              <a:rPr lang="en-US" smtClean="0"/>
+              <a:rPr lang="en-US"/>
               <a:t>Fourth level</a:t>
             </a:r>
           </a:p>
           <a:p>
             <a:pPr lvl="4"/>
             <a:r>
-              <a:rPr lang="en-US" smtClean="0"/>
+              <a:rPr lang="en-US"/>
               <a:t>Fifth level</a:t>
             </a:r>
-            <a:endParaRPr lang="en-US"/>
           </a:p>
         </p:txBody>
       </p:sp>
@@ -2317,7 +2301,7 @@
               <a:pPr>
                 <a:defRPr/>
               </a:pPr>
-              <a:t>4/2/2013</a:t>
+              <a:t>7/28/19</a:t>
             </a:fld>
             <a:endParaRPr lang="en-US"/>
           </a:p>
@@ -2423,10 +2407,9 @@
           <a:lstStyle/>
           <a:p>
             <a:r>
-              <a:rPr lang="en-US" smtClean="0"/>
+              <a:rPr lang="en-US"/>
               <a:t>Click to edit Master title style</a:t>
             </a:r>
-            <a:endParaRPr lang="en-US"/>
           </a:p>
         </p:txBody>
       </p:sp>
@@ -2457,7 +2440,7 @@
               <a:pPr>
                 <a:defRPr/>
               </a:pPr>
-              <a:t>4/2/2013</a:t>
+              <a:t>7/28/19</a:t>
             </a:fld>
             <a:endParaRPr lang="en-US"/>
           </a:p>
@@ -2574,7 +2557,7 @@
               <a:pPr>
                 <a:defRPr/>
               </a:pPr>
-              <a:t>4/2/2013</a:t>
+              <a:t>7/28/19</a:t>
             </a:fld>
             <a:endParaRPr lang="en-US"/>
           </a:p>
@@ -2689,10 +2672,9 @@
           </a:lstStyle>
           <a:p>
             <a:r>
-              <a:rPr lang="en-US" smtClean="0"/>
+              <a:rPr lang="en-US"/>
               <a:t>Click to edit Master title style</a:t>
             </a:r>
-            <a:endParaRPr lang="en-US"/>
           </a:p>
         </p:txBody>
       </p:sp>
@@ -2746,38 +2728,37 @@
           <a:p>
             <a:pPr lvl="0"/>
             <a:r>
-              <a:rPr lang="en-US" smtClean="0"/>
+              <a:rPr lang="en-US"/>
               <a:t>Click to edit Master text styles</a:t>
             </a:r>
           </a:p>
           <a:p>
             <a:pPr lvl="1"/>
             <a:r>
-              <a:rPr lang="en-US" smtClean="0"/>
+              <a:rPr lang="en-US"/>
               <a:t>Second level</a:t>
             </a:r>
           </a:p>
           <a:p>
             <a:pPr lvl="2"/>
             <a:r>
-              <a:rPr lang="en-US" smtClean="0"/>
+              <a:rPr lang="en-US"/>
               <a:t>Third level</a:t>
             </a:r>
           </a:p>
           <a:p>
             <a:pPr lvl="3"/>
             <a:r>
-              <a:rPr lang="en-US" smtClean="0"/>
+              <a:rPr lang="en-US"/>
               <a:t>Fourth level</a:t>
             </a:r>
           </a:p>
           <a:p>
             <a:pPr lvl="4"/>
             <a:r>
-              <a:rPr lang="en-US" smtClean="0"/>
+              <a:rPr lang="en-US"/>
               <a:t>Fifth level</a:t>
             </a:r>
-            <a:endParaRPr lang="en-US"/>
           </a:p>
         </p:txBody>
       </p:sp>
@@ -2840,7 +2821,7 @@
           <a:p>
             <a:pPr lvl="0"/>
             <a:r>
-              <a:rPr lang="en-US" smtClean="0"/>
+              <a:rPr lang="en-US"/>
               <a:t>Click to edit Master text styles</a:t>
             </a:r>
           </a:p>
@@ -2873,7 +2854,7 @@
               <a:pPr>
                 <a:defRPr/>
               </a:pPr>
-              <a:t>4/2/2013</a:t>
+              <a:t>7/28/19</a:t>
             </a:fld>
             <a:endParaRPr lang="en-US"/>
           </a:p>
@@ -2988,10 +2969,9 @@
           </a:lstStyle>
           <a:p>
             <a:r>
-              <a:rPr lang="en-US" smtClean="0"/>
+              <a:rPr lang="en-US"/>
               <a:t>Click to edit Master title style</a:t>
             </a:r>
-            <a:endParaRPr lang="en-US"/>
           </a:p>
         </p:txBody>
       </p:sp>
@@ -3055,7 +3035,7 @@
           </a:lstStyle>
           <a:p>
             <a:pPr lvl="0"/>
-            <a:endParaRPr lang="en-US" noProof="0" smtClean="0"/>
+            <a:endParaRPr lang="en-US" noProof="0"/>
           </a:p>
         </p:txBody>
       </p:sp>
@@ -3118,7 +3098,7 @@
           <a:p>
             <a:pPr lvl="0"/>
             <a:r>
-              <a:rPr lang="en-US" smtClean="0"/>
+              <a:rPr lang="en-US"/>
               <a:t>Click to edit Master text styles</a:t>
             </a:r>
           </a:p>
@@ -3151,7 +3131,7 @@
               <a:pPr>
                 <a:defRPr/>
               </a:pPr>
-              <a:t>4/2/2013</a:t>
+              <a:t>7/28/19</a:t>
             </a:fld>
             <a:endParaRPr lang="en-US"/>
           </a:p>
@@ -3282,7 +3262,7 @@
           <a:p>
             <a:pPr lvl="0"/>
             <a:r>
-              <a:rPr lang="en-US" smtClean="0"/>
+              <a:rPr lang="en-US"/>
               <a:t>Click to edit Master title style</a:t>
             </a:r>
           </a:p>
@@ -3324,35 +3304,35 @@
           <a:p>
             <a:pPr lvl="0"/>
             <a:r>
-              <a:rPr lang="en-US" smtClean="0"/>
+              <a:rPr lang="en-US"/>
               <a:t>Click to edit Master text styles</a:t>
             </a:r>
           </a:p>
           <a:p>
             <a:pPr lvl="1"/>
             <a:r>
-              <a:rPr lang="en-US" smtClean="0"/>
+              <a:rPr lang="en-US"/>
               <a:t>Second level</a:t>
             </a:r>
           </a:p>
           <a:p>
             <a:pPr lvl="2"/>
             <a:r>
-              <a:rPr lang="en-US" smtClean="0"/>
+              <a:rPr lang="en-US"/>
               <a:t>Third level</a:t>
             </a:r>
           </a:p>
           <a:p>
             <a:pPr lvl="3"/>
             <a:r>
-              <a:rPr lang="en-US" smtClean="0"/>
+              <a:rPr lang="en-US"/>
               <a:t>Fourth level</a:t>
             </a:r>
           </a:p>
           <a:p>
             <a:pPr lvl="4"/>
             <a:r>
-              <a:rPr lang="en-US" smtClean="0"/>
+              <a:rPr lang="en-US"/>
               <a:t>Fifth level</a:t>
             </a:r>
           </a:p>
@@ -3407,7 +3387,7 @@
               <a:pPr>
                 <a:defRPr/>
               </a:pPr>
-              <a:t>4/2/2013</a:t>
+              <a:t>7/28/19</a:t>
             </a:fld>
             <a:endParaRPr lang="en-US"/>
           </a:p>
@@ -4306,25 +4286,18 @@
   <p:clrMapOvr>
     <a:masterClrMapping/>
   </p:clrMapOvr>
-  <mc:AlternateContent xmlns:mc="http://schemas.openxmlformats.org/markup-compatibility/2006">
-    <mc:Choice xmlns:p14="http://schemas.microsoft.com/office/powerpoint/2010/main" Requires="p14">
+  <mc:AlternateContent xmlns:mc="http://schemas.openxmlformats.org/markup-compatibility/2006" xmlns:p14="http://schemas.microsoft.com/office/powerpoint/2010/main">
+    <mc:Choice Requires="p14">
       <p:transition spd="slow" p14:dur="800">
         <p:circle/>
       </p:transition>
     </mc:Choice>
-    <mc:Fallback>
+    <mc:Fallback xmlns="">
       <p:transition spd="slow">
         <p:circle/>
       </p:transition>
     </mc:Fallback>
   </mc:AlternateContent>
-  <p:timing>
-    <p:tnLst>
-      <p:par>
-        <p:cTn id="1" dur="indefinite" restart="never" nodeType="tmRoot"/>
-      </p:par>
-    </p:tnLst>
-  </p:timing>
 </p:sld>
 </file>
 
@@ -4517,7 +4490,7 @@
         <p:spPr>
           <a:xfrm>
             <a:off x="712628" y="228600"/>
-            <a:ext cx="8355172" cy="492443"/>
+            <a:ext cx="4039888" cy="492443"/>
           </a:xfrm>
           <a:prstGeom prst="rect">
             <a:avLst/>
@@ -4579,7 +4552,7 @@
                     </a:srgbClr>
                   </a:outerShdw>
                 </a:effectLst>
-                <a:latin typeface="HP-Thunder" pitchFamily="34" charset="0"/>
+                <a:latin typeface="VNI-Times" pitchFamily="2" charset="0"/>
                 <a:cs typeface="+mn-cs"/>
               </a:rPr>
               <a:t>CUNG KÍNH TOÂN VINH</a:t>
@@ -4615,55 +4588,63 @@
               <a:defRPr/>
             </a:pPr>
             <a:r>
-              <a:rPr lang="en-US" sz="6600" b="1" smtClean="0">
-                <a:latin typeface="VNI-Korin" pitchFamily="2" charset="0"/>
-                <a:ea typeface="Times New Roman"/>
-                <a:cs typeface="Times New Roman"/>
-              </a:rPr>
-              <a:t>Thôø </a:t>
-            </a:r>
-            <a:r>
-              <a:rPr lang="en-US" sz="6600" b="1" err="1">
-                <a:latin typeface="VNI-Korin" pitchFamily="2" charset="0"/>
+              <a:rPr lang="en-US" sz="6600" b="1" dirty="0" err="1">
+                <a:latin typeface="VNI-Times" pitchFamily="2" charset="0"/>
+                <a:ea typeface="Times New Roman"/>
+                <a:cs typeface="Times New Roman"/>
+              </a:rPr>
+              <a:t>Thôø</a:t>
+            </a:r>
+            <a:r>
+              <a:rPr lang="en-US" sz="6600" b="1" dirty="0">
+                <a:latin typeface="VNI-Times" pitchFamily="2" charset="0"/>
+                <a:ea typeface="Times New Roman"/>
+                <a:cs typeface="Times New Roman"/>
+              </a:rPr>
+              <a:t> </a:t>
+            </a:r>
+            <a:r>
+              <a:rPr lang="en-US" sz="6600" b="1" dirty="0" err="1">
+                <a:latin typeface="VNI-Times" pitchFamily="2" charset="0"/>
                 <a:ea typeface="Times New Roman"/>
                 <a:cs typeface="Times New Roman"/>
               </a:rPr>
               <a:t>phöôïng</a:t>
             </a:r>
             <a:r>
-              <a:rPr lang="en-US" sz="6600" b="1">
-                <a:latin typeface="VNI-Korin" pitchFamily="2" charset="0"/>
+              <a:rPr lang="en-US" sz="6600" b="1" dirty="0">
+                <a:latin typeface="VNI-Times" pitchFamily="2" charset="0"/>
                 <a:ea typeface="Times New Roman"/>
                 <a:cs typeface="Times New Roman"/>
               </a:rPr>
               <a:t> </a:t>
             </a:r>
-            <a:r>
-              <a:rPr lang="en-US" sz="6600" b="1" smtClean="0">
-                <a:latin typeface="VNI-Korin" pitchFamily="2" charset="0"/>
-                <a:ea typeface="Times New Roman"/>
-                <a:cs typeface="Times New Roman"/>
-              </a:rPr>
-              <a:t/>
-            </a:r>
             <a:br>
-              <a:rPr lang="en-US" sz="6600" b="1" smtClean="0">
-                <a:latin typeface="VNI-Korin" pitchFamily="2" charset="0"/>
+              <a:rPr lang="en-US" sz="6600" b="1" dirty="0">
+                <a:latin typeface="VNI-Times" pitchFamily="2" charset="0"/>
                 <a:ea typeface="Times New Roman"/>
                 <a:cs typeface="Times New Roman"/>
               </a:rPr>
             </a:br>
             <a:r>
-              <a:rPr lang="en-US" sz="6600" b="1" smtClean="0">
-                <a:latin typeface="VNI-Korin" pitchFamily="2" charset="0"/>
-                <a:ea typeface="Times New Roman"/>
-                <a:cs typeface="Times New Roman"/>
-              </a:rPr>
-              <a:t>baèng </a:t>
-            </a:r>
-            <a:r>
               <a:rPr lang="en-US" sz="6600" b="1" dirty="0" err="1">
-                <a:latin typeface="VNI-Korin" pitchFamily="2" charset="0"/>
+                <a:latin typeface="VNI-Times" pitchFamily="2" charset="0"/>
+                <a:ea typeface="Times New Roman"/>
+                <a:cs typeface="Times New Roman"/>
+              </a:rPr>
+              <a:t>baèng</a:t>
+            </a:r>
+            <a:r>
+              <a:rPr lang="en-US" sz="6600" b="1" dirty="0">
+                <a:latin typeface="VNI-Times" pitchFamily="2" charset="0"/>
+                <a:ea typeface="Times New Roman"/>
+                <a:cs typeface="Times New Roman"/>
+              </a:rPr>
+              <a:t> </a:t>
+            </a:r>
+            <a:r>
+              <a:rPr lang="en-US" sz="6600" b="1" dirty="0" err="1">
+                <a:latin typeface="VNI-Times" pitchFamily="2" charset="0"/>
                 <a:ea typeface="Times New Roman"/>
                 <a:cs typeface="Times New Roman"/>
               </a:rPr>
@@ -4671,7 +4652,7 @@
             </a:r>
             <a:r>
               <a:rPr lang="en-US" sz="6600" b="1" dirty="0">
-                <a:latin typeface="VNI-Korin" pitchFamily="2" charset="0"/>
+                <a:latin typeface="VNI-Times" pitchFamily="2" charset="0"/>
                 <a:ea typeface="Times New Roman"/>
                 <a:cs typeface="Times New Roman"/>
               </a:rPr>
@@ -4679,46 +4660,46 @@
             </a:r>
             <a:r>
               <a:rPr lang="en-US" sz="6600" b="1" dirty="0" err="1">
-                <a:latin typeface="VNI-Korin" pitchFamily="2" charset="0"/>
+                <a:latin typeface="VNI-Times" pitchFamily="2" charset="0"/>
                 <a:ea typeface="Times New Roman"/>
                 <a:cs typeface="Times New Roman"/>
               </a:rPr>
               <a:t>linh</a:t>
             </a:r>
             <a:r>
-              <a:rPr lang="en-US" sz="6600" b="1">
-                <a:latin typeface="VNI-Korin" pitchFamily="2" charset="0"/>
+              <a:rPr lang="en-US" sz="6600" b="1" dirty="0">
+                <a:latin typeface="VNI-Times" pitchFamily="2" charset="0"/>
                 <a:ea typeface="Times New Roman"/>
                 <a:cs typeface="Times New Roman"/>
               </a:rPr>
               <a:t>, </a:t>
             </a:r>
-            <a:r>
-              <a:rPr lang="en-US" sz="6600" b="1" smtClean="0">
-                <a:latin typeface="VNI-Korin" pitchFamily="2" charset="0"/>
-                <a:ea typeface="Times New Roman"/>
-                <a:cs typeface="Times New Roman"/>
-              </a:rPr>
-              <a:t/>
-            </a:r>
             <a:br>
-              <a:rPr lang="en-US" sz="6600" b="1" smtClean="0">
-                <a:latin typeface="VNI-Korin" pitchFamily="2" charset="0"/>
+              <a:rPr lang="en-US" sz="6600" b="1" dirty="0">
+                <a:latin typeface="VNI-Times" pitchFamily="2" charset="0"/>
                 <a:ea typeface="Times New Roman"/>
                 <a:cs typeface="Times New Roman"/>
               </a:rPr>
             </a:br>
             <a:r>
-              <a:rPr lang="en-US" sz="6600" b="1" smtClean="0">
-                <a:latin typeface="VNI-Korin" pitchFamily="2" charset="0"/>
-                <a:ea typeface="Times New Roman"/>
-                <a:cs typeface="Times New Roman"/>
-              </a:rPr>
-              <a:t>voã </a:t>
-            </a:r>
-            <a:r>
               <a:rPr lang="en-US" sz="6600" b="1" dirty="0" err="1">
-                <a:latin typeface="VNI-Korin" pitchFamily="2" charset="0"/>
+                <a:latin typeface="VNI-Times" pitchFamily="2" charset="0"/>
+                <a:ea typeface="Times New Roman"/>
+                <a:cs typeface="Times New Roman"/>
+              </a:rPr>
+              <a:t>voã</a:t>
+            </a:r>
+            <a:r>
+              <a:rPr lang="en-US" sz="6600" b="1" dirty="0">
+                <a:latin typeface="VNI-Times" pitchFamily="2" charset="0"/>
+                <a:ea typeface="Times New Roman"/>
+                <a:cs typeface="Times New Roman"/>
+              </a:rPr>
+              <a:t> </a:t>
+            </a:r>
+            <a:r>
+              <a:rPr lang="en-US" sz="6600" b="1" dirty="0" err="1">
+                <a:latin typeface="VNI-Times" pitchFamily="2" charset="0"/>
                 <a:ea typeface="Times New Roman"/>
                 <a:cs typeface="Times New Roman"/>
               </a:rPr>
@@ -4726,46 +4707,46 @@
             </a:r>
             <a:r>
               <a:rPr lang="en-US" sz="6600" b="1" dirty="0">
-                <a:latin typeface="VNI-Korin" pitchFamily="2" charset="0"/>
+                <a:latin typeface="VNI-Times" pitchFamily="2" charset="0"/>
                 <a:ea typeface="Times New Roman"/>
                 <a:cs typeface="Times New Roman"/>
               </a:rPr>
               <a:t> </a:t>
             </a:r>
             <a:r>
-              <a:rPr lang="en-US" sz="6600" b="1" err="1">
-                <a:latin typeface="VNI-Korin" pitchFamily="2" charset="0"/>
+              <a:rPr lang="en-US" sz="6600" b="1" dirty="0" err="1">
+                <a:latin typeface="VNI-Times" pitchFamily="2" charset="0"/>
                 <a:ea typeface="Times New Roman"/>
                 <a:cs typeface="Times New Roman"/>
               </a:rPr>
               <a:t>cho</a:t>
             </a:r>
             <a:r>
-              <a:rPr lang="en-US" sz="6600" b="1">
-                <a:latin typeface="VNI-Korin" pitchFamily="2" charset="0"/>
+              <a:rPr lang="en-US" sz="6600" b="1" dirty="0">
+                <a:latin typeface="VNI-Times" pitchFamily="2" charset="0"/>
                 <a:ea typeface="Times New Roman"/>
                 <a:cs typeface="Times New Roman"/>
               </a:rPr>
               <a:t> </a:t>
             </a:r>
             <a:r>
-              <a:rPr lang="en-US" sz="6600" b="1" smtClean="0">
-                <a:latin typeface="VNI-Korin" pitchFamily="2" charset="0"/>
+              <a:rPr lang="en-US" sz="6600" b="1" dirty="0" err="1">
+                <a:latin typeface="VNI-Times" pitchFamily="2" charset="0"/>
                 <a:ea typeface="Times New Roman"/>
                 <a:cs typeface="Times New Roman"/>
               </a:rPr>
               <a:t>ñeàu</a:t>
             </a:r>
             <a:r>
-              <a:rPr lang="en-US" sz="6600" b="1">
-                <a:latin typeface="VNI-Korin" pitchFamily="2" charset="0"/>
+              <a:rPr lang="en-US" sz="6600" b="1" dirty="0">
+                <a:latin typeface="VNI-Times" pitchFamily="2" charset="0"/>
                 <a:ea typeface="Times New Roman"/>
                 <a:cs typeface="Times New Roman"/>
               </a:rPr>
               <a:t>.</a:t>
             </a:r>
             <a:endParaRPr lang="en-US" sz="6600" b="1" dirty="0">
-              <a:latin typeface="VNI-Korin" pitchFamily="2" charset="0"/>
+              <a:latin typeface="VNI-Times" pitchFamily="2" charset="0"/>
               <a:ea typeface="+mj-ea"/>
               <a:cs typeface="+mj-cs"/>
             </a:endParaRPr>
@@ -4777,13 +4758,6 @@
   <p:clrMapOvr>
     <a:masterClrMapping/>
   </p:clrMapOvr>
-  <p:timing>
-    <p:tnLst>
-      <p:par>
-        <p:cTn id="1" dur="indefinite" restart="never" nodeType="tmRoot"/>
-      </p:par>
-    </p:tnLst>
-  </p:timing>
 </p:sld>
 </file>
 
@@ -4976,7 +4950,7 @@
         <p:spPr>
           <a:xfrm>
             <a:off x="712628" y="228600"/>
-            <a:ext cx="8355172" cy="492443"/>
+            <a:ext cx="4039888" cy="492443"/>
           </a:xfrm>
           <a:prstGeom prst="rect">
             <a:avLst/>
@@ -5038,7 +5012,7 @@
                     </a:srgbClr>
                   </a:outerShdw>
                 </a:effectLst>
-                <a:latin typeface="HP-Thunder" pitchFamily="34" charset="0"/>
+                <a:latin typeface="VNI-Times" pitchFamily="2" charset="0"/>
                 <a:cs typeface="+mn-cs"/>
               </a:rPr>
               <a:t>CUNG KÍNH TOÂN VINH</a:t>
@@ -5074,69 +5048,133 @@
               <a:defRPr/>
             </a:pPr>
             <a:r>
-              <a:rPr lang="en-US" sz="6600" b="1">
-                <a:latin typeface="VNI-Korin" pitchFamily="2" charset="0"/>
-                <a:ea typeface="Times New Roman"/>
-                <a:cs typeface="Times New Roman"/>
-              </a:rPr>
-              <a:t>Toân cao Jeâsus </a:t>
+              <a:rPr lang="en-US" sz="6600" b="1" dirty="0" err="1">
+                <a:latin typeface="VNI-Times" pitchFamily="2" charset="0"/>
+                <a:ea typeface="Times New Roman"/>
+                <a:cs typeface="Times New Roman"/>
+              </a:rPr>
+              <a:t>Toân</a:t>
+            </a:r>
+            <a:r>
+              <a:rPr lang="en-US" sz="6600" b="1" dirty="0">
+                <a:latin typeface="VNI-Times" pitchFamily="2" charset="0"/>
+                <a:ea typeface="Times New Roman"/>
+                <a:cs typeface="Times New Roman"/>
+              </a:rPr>
+              <a:t> </a:t>
+            </a:r>
+            <a:r>
+              <a:rPr lang="en-US" sz="6600" b="1" dirty="0" err="1">
+                <a:latin typeface="VNI-Times" pitchFamily="2" charset="0"/>
+                <a:ea typeface="Times New Roman"/>
+                <a:cs typeface="Times New Roman"/>
+              </a:rPr>
+              <a:t>cao</a:t>
+            </a:r>
+            <a:r>
+              <a:rPr lang="en-US" sz="6600" b="1" dirty="0">
+                <a:latin typeface="VNI-Times" pitchFamily="2" charset="0"/>
+                <a:ea typeface="Times New Roman"/>
+                <a:cs typeface="Times New Roman"/>
+              </a:rPr>
+              <a:t> </a:t>
+            </a:r>
+            <a:r>
+              <a:rPr lang="en-US" sz="6600" b="1" dirty="0" err="1">
+                <a:latin typeface="VNI-Times" pitchFamily="2" charset="0"/>
+                <a:ea typeface="Times New Roman"/>
+                <a:cs typeface="Times New Roman"/>
+              </a:rPr>
+              <a:t>Jeâsus</a:t>
+            </a:r>
+            <a:r>
+              <a:rPr lang="en-US" sz="6600" b="1" dirty="0">
+                <a:latin typeface="VNI-Times" pitchFamily="2" charset="0"/>
+                <a:ea typeface="Times New Roman"/>
+                <a:cs typeface="Times New Roman"/>
+              </a:rPr>
+              <a:t> </a:t>
             </a:r>
             <a:br>
-              <a:rPr lang="en-US" sz="6600" b="1">
-                <a:latin typeface="VNI-Korin" pitchFamily="2" charset="0"/>
+              <a:rPr lang="en-US" sz="6600" b="1" dirty="0">
+                <a:latin typeface="VNI-Times" pitchFamily="2" charset="0"/>
                 <a:ea typeface="Times New Roman"/>
                 <a:cs typeface="Times New Roman"/>
               </a:rPr>
             </a:br>
             <a:r>
-              <a:rPr lang="en-US" sz="6600" b="1">
-                <a:latin typeface="VNI-Korin" pitchFamily="2" charset="0"/>
-                <a:ea typeface="Times New Roman"/>
-                <a:cs typeface="Times New Roman"/>
-              </a:rPr>
-              <a:t>danh </a:t>
-            </a:r>
-            <a:r>
-              <a:rPr lang="en-US" sz="6600" b="1">
-                <a:latin typeface="VNI-Korin" pitchFamily="2" charset="0"/>
-                <a:ea typeface="Times New Roman"/>
-                <a:cs typeface="Times New Roman"/>
-              </a:rPr>
-              <a:t>thaät </a:t>
-            </a:r>
-            <a:r>
-              <a:rPr lang="en-US" sz="6600" b="1" smtClean="0">
-                <a:latin typeface="VNI-Korin" pitchFamily="2" charset="0"/>
-                <a:ea typeface="Times New Roman"/>
-                <a:cs typeface="Times New Roman"/>
-              </a:rPr>
-              <a:t/>
+              <a:rPr lang="en-US" sz="6600" b="1" dirty="0" err="1">
+                <a:latin typeface="VNI-Times" pitchFamily="2" charset="0"/>
+                <a:ea typeface="Times New Roman"/>
+                <a:cs typeface="Times New Roman"/>
+              </a:rPr>
+              <a:t>danh</a:t>
+            </a:r>
+            <a:r>
+              <a:rPr lang="en-US" sz="6600" b="1" dirty="0">
+                <a:latin typeface="VNI-Times" pitchFamily="2" charset="0"/>
+                <a:ea typeface="Times New Roman"/>
+                <a:cs typeface="Times New Roman"/>
+              </a:rPr>
+              <a:t> </a:t>
+            </a:r>
+            <a:r>
+              <a:rPr lang="en-US" sz="6600" b="1" dirty="0" err="1">
+                <a:latin typeface="VNI-Times" pitchFamily="2" charset="0"/>
+                <a:ea typeface="Times New Roman"/>
+                <a:cs typeface="Times New Roman"/>
+              </a:rPr>
+              <a:t>thaät</a:t>
+            </a:r>
+            <a:r>
+              <a:rPr lang="en-US" sz="6600" b="1" dirty="0">
+                <a:latin typeface="VNI-Times" pitchFamily="2" charset="0"/>
+                <a:ea typeface="Times New Roman"/>
+                <a:cs typeface="Times New Roman"/>
+              </a:rPr>
+              <a:t> </a:t>
             </a:r>
             <a:br>
-              <a:rPr lang="en-US" sz="6600" b="1" smtClean="0">
-                <a:latin typeface="VNI-Korin" pitchFamily="2" charset="0"/>
+              <a:rPr lang="en-US" sz="6600" b="1" dirty="0">
+                <a:latin typeface="VNI-Times" pitchFamily="2" charset="0"/>
                 <a:ea typeface="Times New Roman"/>
                 <a:cs typeface="Times New Roman"/>
               </a:rPr>
             </a:br>
             <a:r>
-              <a:rPr lang="en-US" sz="6600" b="1" smtClean="0">
-                <a:latin typeface="VNI-Korin" pitchFamily="2" charset="0"/>
-                <a:ea typeface="Times New Roman"/>
-                <a:cs typeface="Times New Roman"/>
-              </a:rPr>
-              <a:t>dieäu </a:t>
-            </a:r>
-            <a:r>
-              <a:rPr lang="en-US" sz="6600" b="1">
-                <a:latin typeface="VNI-Korin" pitchFamily="2" charset="0"/>
-                <a:ea typeface="Times New Roman"/>
-                <a:cs typeface="Times New Roman"/>
-              </a:rPr>
-              <a:t>kyø. </a:t>
+              <a:rPr lang="en-US" sz="6600" b="1" dirty="0" err="1">
+                <a:latin typeface="VNI-Times" pitchFamily="2" charset="0"/>
+                <a:ea typeface="Times New Roman"/>
+                <a:cs typeface="Times New Roman"/>
+              </a:rPr>
+              <a:t>dieäu</a:t>
+            </a:r>
+            <a:r>
+              <a:rPr lang="en-US" sz="6600" b="1" dirty="0">
+                <a:latin typeface="VNI-Times" pitchFamily="2" charset="0"/>
+                <a:ea typeface="Times New Roman"/>
+                <a:cs typeface="Times New Roman"/>
+              </a:rPr>
+              <a:t> </a:t>
+            </a:r>
+            <a:r>
+              <a:rPr lang="en-US" sz="6600" b="1" dirty="0" err="1">
+                <a:latin typeface="VNI-Times" pitchFamily="2" charset="0"/>
+                <a:ea typeface="Times New Roman"/>
+                <a:cs typeface="Times New Roman"/>
+              </a:rPr>
+              <a:t>kyø</a:t>
+            </a:r>
+            <a:r>
+              <a:rPr lang="en-US" sz="6600" b="1" dirty="0">
+                <a:latin typeface="VNI-Times" pitchFamily="2" charset="0"/>
+                <a:ea typeface="Times New Roman"/>
+                <a:cs typeface="Times New Roman"/>
+              </a:rPr>
+              <a:t>. </a:t>
             </a:r>
             <a:endParaRPr lang="en-US" sz="6600" b="1" dirty="0">
-              <a:latin typeface="VNI-Korin" pitchFamily="2" charset="0"/>
+              <a:latin typeface="VNI-Times" pitchFamily="2" charset="0"/>
             </a:endParaRPr>
           </a:p>
         </p:txBody>
@@ -5151,13 +5189,6 @@
   <p:clrMapOvr>
     <a:masterClrMapping/>
   </p:clrMapOvr>
-  <p:timing>
-    <p:tnLst>
-      <p:par>
-        <p:cTn id="1" dur="indefinite" restart="never" nodeType="tmRoot"/>
-      </p:par>
-    </p:tnLst>
-  </p:timing>
 </p:sld>
 </file>
 
@@ -5350,7 +5381,7 @@
         <p:spPr>
           <a:xfrm>
             <a:off x="712628" y="228600"/>
-            <a:ext cx="8355172" cy="492443"/>
+            <a:ext cx="4039888" cy="492443"/>
           </a:xfrm>
           <a:prstGeom prst="rect">
             <a:avLst/>
@@ -5412,7 +5443,7 @@
                     </a:srgbClr>
                   </a:outerShdw>
                 </a:effectLst>
-                <a:latin typeface="HP-Thunder" pitchFamily="34" charset="0"/>
+                <a:latin typeface="VNI-Times" pitchFamily="2" charset="0"/>
                 <a:cs typeface="+mn-cs"/>
               </a:rPr>
               <a:t>CUNG KÍNH TOÂN VINH</a:t>
@@ -5450,66 +5481,129 @@
           <a:p>
             <a:pPr algn="ctr"/>
             <a:r>
-              <a:rPr lang="en-US" sz="6600" b="1">
-                <a:latin typeface="VNI-Korin" pitchFamily="2" charset="0"/>
-              </a:rPr>
-              <a:t> Toân vinh, </a:t>
-            </a:r>
-            <a:r>
-              <a:rPr lang="en-US" sz="6600" b="1" smtClean="0">
-                <a:latin typeface="VNI-Korin" pitchFamily="2" charset="0"/>
-              </a:rPr>
-              <a:t/>
+              <a:rPr lang="en-US" sz="6600" b="1" dirty="0">
+                <a:latin typeface="VNI-Times" pitchFamily="2" charset="0"/>
+              </a:rPr>
+              <a:t> </a:t>
+            </a:r>
+            <a:r>
+              <a:rPr lang="en-US" sz="6600" b="1" dirty="0" err="1">
+                <a:latin typeface="VNI-Times" pitchFamily="2" charset="0"/>
+              </a:rPr>
+              <a:t>Toân</a:t>
+            </a:r>
+            <a:r>
+              <a:rPr lang="en-US" sz="6600" b="1" dirty="0">
+                <a:latin typeface="VNI-Times" pitchFamily="2" charset="0"/>
+              </a:rPr>
+              <a:t> </a:t>
+            </a:r>
+            <a:r>
+              <a:rPr lang="en-US" sz="6600" b="1" dirty="0" err="1">
+                <a:latin typeface="VNI-Times" pitchFamily="2" charset="0"/>
+              </a:rPr>
+              <a:t>vinh</a:t>
+            </a:r>
+            <a:r>
+              <a:rPr lang="en-US" sz="6600" b="1" dirty="0">
+                <a:latin typeface="VNI-Times" pitchFamily="2" charset="0"/>
+              </a:rPr>
+              <a:t>, </a:t>
             </a:r>
             <a:br>
-              <a:rPr lang="en-US" sz="6600" b="1" smtClean="0">
-                <a:latin typeface="VNI-Korin" pitchFamily="2" charset="0"/>
+              <a:rPr lang="en-US" sz="6600" b="1" dirty="0">
+                <a:latin typeface="VNI-Times" pitchFamily="2" charset="0"/>
               </a:rPr>
             </a:br>
             <a:r>
-              <a:rPr lang="en-US" sz="6600" b="1" smtClean="0">
-                <a:latin typeface="VNI-Korin" pitchFamily="2" charset="0"/>
-              </a:rPr>
-              <a:t>chuùc toân, </a:t>
-            </a:r>
-            <a:r>
-              <a:rPr lang="en-US" sz="6600" b="1">
-                <a:latin typeface="VNI-Korin" pitchFamily="2" charset="0"/>
-              </a:rPr>
-              <a:t/>
+              <a:rPr lang="en-US" sz="6600" b="1" dirty="0" err="1">
+                <a:latin typeface="VNI-Times" pitchFamily="2" charset="0"/>
+              </a:rPr>
+              <a:t>chuùc</a:t>
+            </a:r>
+            <a:r>
+              <a:rPr lang="en-US" sz="6600" b="1" dirty="0">
+                <a:latin typeface="VNI-Times" pitchFamily="2" charset="0"/>
+              </a:rPr>
+              <a:t> </a:t>
+            </a:r>
+            <a:r>
+              <a:rPr lang="en-US" sz="6600" b="1" dirty="0" err="1">
+                <a:latin typeface="VNI-Times" pitchFamily="2" charset="0"/>
+              </a:rPr>
+              <a:t>toân</a:t>
+            </a:r>
+            <a:r>
+              <a:rPr lang="en-US" sz="6600" b="1" dirty="0">
+                <a:latin typeface="VNI-Times" pitchFamily="2" charset="0"/>
+              </a:rPr>
+              <a:t>, </a:t>
             </a:r>
             <a:br>
-              <a:rPr lang="en-US" sz="6600" b="1">
-                <a:latin typeface="VNI-Korin" pitchFamily="2" charset="0"/>
+              <a:rPr lang="en-US" sz="6600" b="1" dirty="0">
+                <a:latin typeface="VNI-Times" pitchFamily="2" charset="0"/>
               </a:rPr>
             </a:br>
             <a:r>
-              <a:rPr lang="en-US" sz="6600" b="1" smtClean="0">
-                <a:latin typeface="VNI-Korin" pitchFamily="2" charset="0"/>
-              </a:rPr>
-              <a:t>Jeâsus </a:t>
-            </a:r>
-            <a:r>
-              <a:rPr lang="en-US" sz="6600" b="1">
-                <a:latin typeface="VNI-Korin" pitchFamily="2" charset="0"/>
-              </a:rPr>
-              <a:t>Ñaáng con </a:t>
-            </a:r>
-            <a:r>
-              <a:rPr lang="en-US" sz="6600" b="1" smtClean="0">
-                <a:latin typeface="VNI-Korin" pitchFamily="2" charset="0"/>
-              </a:rPr>
-              <a:t>haèng yeâu </a:t>
-            </a:r>
-            <a:r>
-              <a:rPr lang="en-US" sz="6600" b="1" smtClean="0">
-                <a:latin typeface="VNI-Korin" pitchFamily="2" charset="0"/>
-              </a:rPr>
-              <a:t>quyù! </a:t>
-            </a:r>
-            <a:endParaRPr lang="en-US" sz="6600" b="1">
-              <a:latin typeface="VNI-Korin" pitchFamily="2" charset="0"/>
-            </a:endParaRPr>
+              <a:rPr lang="en-US" sz="6600" b="1" dirty="0" err="1">
+                <a:latin typeface="VNI-Times" pitchFamily="2" charset="0"/>
+              </a:rPr>
+              <a:t>Jeâsus</a:t>
+            </a:r>
+            <a:r>
+              <a:rPr lang="en-US" sz="6600" b="1" dirty="0">
+                <a:latin typeface="VNI-Times" pitchFamily="2" charset="0"/>
+              </a:rPr>
+              <a:t> </a:t>
+            </a:r>
+            <a:r>
+              <a:rPr lang="en-US" sz="6600" b="1" dirty="0" err="1">
+                <a:latin typeface="VNI-Times" pitchFamily="2" charset="0"/>
+              </a:rPr>
+              <a:t>Ñaáng</a:t>
+            </a:r>
+            <a:r>
+              <a:rPr lang="en-US" sz="6600" b="1" dirty="0">
+                <a:latin typeface="VNI-Times" pitchFamily="2" charset="0"/>
+              </a:rPr>
+              <a:t> con </a:t>
+            </a:r>
+            <a:r>
+              <a:rPr lang="en-US" sz="6600" b="1" dirty="0" err="1">
+                <a:latin typeface="VNI-Times" pitchFamily="2" charset="0"/>
+              </a:rPr>
+              <a:t>haèng</a:t>
+            </a:r>
+            <a:r>
+              <a:rPr lang="en-US" sz="6600" b="1" dirty="0">
+                <a:latin typeface="VNI-Times" pitchFamily="2" charset="0"/>
+              </a:rPr>
+              <a:t> </a:t>
+            </a:r>
+            <a:r>
+              <a:rPr lang="en-US" sz="6600" b="1" dirty="0" err="1">
+                <a:latin typeface="VNI-Times" pitchFamily="2" charset="0"/>
+              </a:rPr>
+              <a:t>yeâu</a:t>
+            </a:r>
+            <a:r>
+              <a:rPr lang="en-US" sz="6600" b="1" dirty="0">
+                <a:latin typeface="VNI-Times" pitchFamily="2" charset="0"/>
+              </a:rPr>
+              <a:t> </a:t>
+            </a:r>
+            <a:r>
+              <a:rPr lang="en-US" sz="6600" b="1" dirty="0" err="1">
+                <a:latin typeface="VNI-Times" pitchFamily="2" charset="0"/>
+              </a:rPr>
+              <a:t>quyù</a:t>
+            </a:r>
+            <a:r>
+              <a:rPr lang="en-US" sz="6600" b="1" dirty="0">
+                <a:latin typeface="VNI-Times" pitchFamily="2" charset="0"/>
+              </a:rPr>
+              <a:t>! </a:t>
+            </a:r>
           </a:p>
         </p:txBody>
       </p:sp>
@@ -5523,13 +5617,6 @@
   <p:clrMapOvr>
     <a:masterClrMapping/>
   </p:clrMapOvr>
-  <p:timing>
-    <p:tnLst>
-      <p:par>
-        <p:cTn id="1" dur="indefinite" restart="never" nodeType="tmRoot"/>
-      </p:par>
-    </p:tnLst>
-  </p:timing>
 </p:sld>
 </file>
 
@@ -5722,7 +5809,7 @@
         <p:spPr>
           <a:xfrm>
             <a:off x="712628" y="228600"/>
-            <a:ext cx="8355172" cy="492443"/>
+            <a:ext cx="4039888" cy="492443"/>
           </a:xfrm>
           <a:prstGeom prst="rect">
             <a:avLst/>
@@ -5784,7 +5871,7 @@
                     </a:srgbClr>
                   </a:outerShdw>
                 </a:effectLst>
-                <a:latin typeface="HP-Thunder" pitchFamily="34" charset="0"/>
+                <a:latin typeface="VNI-Times" pitchFamily="2" charset="0"/>
                 <a:cs typeface="+mn-cs"/>
               </a:rPr>
               <a:t>CUNG KÍNH TOÂN VINH</a:t>
@@ -5822,43 +5909,124 @@
           <a:p>
             <a:pPr algn="ctr"/>
             <a:r>
-              <a:rPr lang="en-US" sz="6600" b="1">
-                <a:latin typeface="VNI-Korin" pitchFamily="2" charset="0"/>
-              </a:rPr>
-              <a:t>Ha-leâ-lu-gia</a:t>
-            </a:r>
-            <a:r>
-              <a:rPr lang="en-US" sz="6600" b="1">
-                <a:latin typeface="VNI-Korin" pitchFamily="2" charset="0"/>
+              <a:rPr lang="en-US" sz="6600" b="1" dirty="0">
+                <a:latin typeface="VNI-Times" pitchFamily="2" charset="0"/>
+              </a:rPr>
+              <a:t>Ha-</a:t>
+            </a:r>
+            <a:r>
+              <a:rPr lang="en-US" sz="6600" b="1" dirty="0" err="1">
+                <a:latin typeface="VNI-Times" pitchFamily="2" charset="0"/>
+              </a:rPr>
+              <a:t>leâ</a:t>
+            </a:r>
+            <a:r>
+              <a:rPr lang="en-US" sz="6600" b="1" dirty="0">
+                <a:latin typeface="VNI-Times" pitchFamily="2" charset="0"/>
+              </a:rPr>
+              <a:t>-</a:t>
+            </a:r>
+            <a:r>
+              <a:rPr lang="en-US" sz="6600" b="1" dirty="0" err="1">
+                <a:latin typeface="VNI-Times" pitchFamily="2" charset="0"/>
+              </a:rPr>
+              <a:t>lu-gia</a:t>
+            </a:r>
+            <a:r>
+              <a:rPr lang="en-US" sz="6600" b="1" dirty="0">
+                <a:latin typeface="VNI-Times" pitchFamily="2" charset="0"/>
               </a:rPr>
               <a:t>! </a:t>
             </a:r>
-            <a:r>
-              <a:rPr lang="en-US" sz="6600" b="1" smtClean="0">
-                <a:latin typeface="VNI-Korin" pitchFamily="2" charset="0"/>
-              </a:rPr>
-              <a:t/>
-            </a:r>
             <a:br>
-              <a:rPr lang="en-US" sz="6600" b="1" smtClean="0">
-                <a:latin typeface="VNI-Korin" pitchFamily="2" charset="0"/>
+              <a:rPr lang="en-US" sz="6600" b="1" dirty="0">
+                <a:latin typeface="VNI-Times" pitchFamily="2" charset="0"/>
               </a:rPr>
             </a:br>
             <a:r>
-              <a:rPr lang="en-US" sz="6600" b="1" smtClean="0">
-                <a:latin typeface="VNI-Korin" pitchFamily="2" charset="0"/>
-              </a:rPr>
-              <a:t>Toân </a:t>
-            </a:r>
-            <a:r>
-              <a:rPr lang="en-US" sz="6600" b="1">
-                <a:latin typeface="VNI-Korin" pitchFamily="2" charset="0"/>
-              </a:rPr>
-              <a:t>cao Jeâsus danh thaät dieäu kyø.</a:t>
-            </a:r>
-            <a:endParaRPr lang="en-US" sz="6600" b="1">
-              <a:latin typeface="VNI-Korin" pitchFamily="2" charset="0"/>
-            </a:endParaRPr>
+              <a:rPr lang="en-US" sz="6600" b="1" dirty="0" err="1">
+                <a:latin typeface="VNI-Times" pitchFamily="2" charset="0"/>
+              </a:rPr>
+              <a:t>Toân</a:t>
+            </a:r>
+            <a:r>
+              <a:rPr lang="en-US" sz="6600" b="1" dirty="0">
+                <a:latin typeface="VNI-Times" pitchFamily="2" charset="0"/>
+              </a:rPr>
+              <a:t> </a:t>
+            </a:r>
+            <a:r>
+              <a:rPr lang="en-US" sz="6600" b="1" dirty="0" err="1">
+                <a:latin typeface="VNI-Times" pitchFamily="2" charset="0"/>
+              </a:rPr>
+              <a:t>cao</a:t>
+            </a:r>
+            <a:r>
+              <a:rPr lang="en-US" sz="6600" b="1" dirty="0">
+                <a:latin typeface="VNI-Times" pitchFamily="2" charset="0"/>
+              </a:rPr>
+              <a:t> </a:t>
+            </a:r>
+            <a:r>
+              <a:rPr lang="en-US" sz="6600" b="1" dirty="0" err="1">
+                <a:latin typeface="VNI-Times" pitchFamily="2" charset="0"/>
+              </a:rPr>
+              <a:t>Jeâsus</a:t>
+            </a:r>
+            <a:r>
+              <a:rPr lang="en-US" sz="6600" b="1" dirty="0">
+                <a:latin typeface="VNI-Times" pitchFamily="2" charset="0"/>
+              </a:rPr>
+              <a:t> </a:t>
+            </a:r>
+            <a:r>
+              <a:rPr lang="en-US" sz="6600" b="1" dirty="0" err="1">
+                <a:latin typeface="VNI-Times" pitchFamily="2" charset="0"/>
+              </a:rPr>
+              <a:t>danh</a:t>
+            </a:r>
+            <a:r>
+              <a:rPr lang="en-US" sz="6600" b="1" dirty="0">
+                <a:latin typeface="VNI-Times" pitchFamily="2" charset="0"/>
+              </a:rPr>
+              <a:t> </a:t>
+            </a:r>
+            <a:r>
+              <a:rPr lang="en-US" sz="6600" b="1" dirty="0" err="1">
+                <a:latin typeface="VNI-Times" pitchFamily="2" charset="0"/>
+              </a:rPr>
+              <a:t>thaät</a:t>
+            </a:r>
+            <a:r>
+              <a:rPr lang="en-US" sz="6600" b="1" dirty="0">
+                <a:latin typeface="VNI-Times" pitchFamily="2" charset="0"/>
+              </a:rPr>
+              <a:t> </a:t>
+            </a:r>
+            <a:r>
+              <a:rPr lang="en-US" sz="6600" b="1" dirty="0" err="1">
+                <a:latin typeface="VNI-Times" pitchFamily="2" charset="0"/>
+              </a:rPr>
+              <a:t>dieäu</a:t>
+            </a:r>
+            <a:r>
+              <a:rPr lang="en-US" sz="6600" b="1" dirty="0">
+                <a:latin typeface="VNI-Times" pitchFamily="2" charset="0"/>
+              </a:rPr>
+              <a:t> </a:t>
+            </a:r>
+            <a:r>
+              <a:rPr lang="en-US" sz="6600" b="1" dirty="0" err="1">
+                <a:latin typeface="VNI-Times" pitchFamily="2" charset="0"/>
+              </a:rPr>
+              <a:t>kyø</a:t>
+            </a:r>
+            <a:r>
+              <a:rPr lang="en-US" sz="6600" b="1" dirty="0">
+                <a:latin typeface="VNI-Times" pitchFamily="2" charset="0"/>
+              </a:rPr>
+              <a:t>.</a:t>
+            </a:r>
           </a:p>
         </p:txBody>
       </p:sp>
@@ -5872,13 +6040,6 @@
   <p:clrMapOvr>
     <a:masterClrMapping/>
   </p:clrMapOvr>
-  <p:timing>
-    <p:tnLst>
-      <p:par>
-        <p:cTn id="1" dur="indefinite" restart="never" nodeType="tmRoot"/>
-      </p:par>
-    </p:tnLst>
-  </p:timing>
 </p:sld>
 </file>
 
@@ -6071,7 +6232,7 @@
         <p:spPr>
           <a:xfrm>
             <a:off x="712628" y="228600"/>
-            <a:ext cx="8355172" cy="492443"/>
+            <a:ext cx="4039888" cy="492443"/>
           </a:xfrm>
           <a:prstGeom prst="rect">
             <a:avLst/>
@@ -6133,7 +6294,7 @@
                     </a:srgbClr>
                   </a:outerShdw>
                 </a:effectLst>
-                <a:latin typeface="HP-Thunder" pitchFamily="34" charset="0"/>
+                <a:latin typeface="VNI-Times" pitchFamily="2" charset="0"/>
                 <a:cs typeface="+mn-cs"/>
               </a:rPr>
               <a:t>CUNG KÍNH TOÂN VINH</a:t>
@@ -6170,7 +6331,7 @@
             </a:pPr>
             <a:r>
               <a:rPr lang="en-US" sz="4400" b="1" dirty="0">
-                <a:latin typeface="VNI-Korin" pitchFamily="2" charset="0"/>
+                <a:latin typeface="VNI-Times" pitchFamily="2" charset="0"/>
                 <a:ea typeface="Times New Roman"/>
                 <a:cs typeface="Times New Roman"/>
               </a:rPr>
@@ -6178,7 +6339,7 @@
             </a:r>
             <a:r>
               <a:rPr lang="en-US" sz="6600" b="1" dirty="0">
-                <a:latin typeface="VNI-Korin" pitchFamily="2" charset="0"/>
+                <a:latin typeface="VNI-Times" pitchFamily="2" charset="0"/>
                 <a:ea typeface="Times New Roman"/>
                 <a:cs typeface="Times New Roman"/>
               </a:rPr>
@@ -6186,7 +6347,7 @@
             </a:r>
             <a:r>
               <a:rPr lang="en-US" sz="6600" b="1" dirty="0" err="1">
-                <a:latin typeface="VNI-Korin" pitchFamily="2" charset="0"/>
+                <a:latin typeface="VNI-Times" pitchFamily="2" charset="0"/>
                 <a:ea typeface="Times New Roman"/>
                 <a:cs typeface="Times New Roman"/>
               </a:rPr>
@@ -6194,7 +6355,7 @@
             </a:r>
             <a:r>
               <a:rPr lang="en-US" sz="6600" b="1" dirty="0">
-                <a:latin typeface="VNI-Korin" pitchFamily="2" charset="0"/>
+                <a:latin typeface="VNI-Times" pitchFamily="2" charset="0"/>
                 <a:ea typeface="Times New Roman"/>
                 <a:cs typeface="Times New Roman"/>
               </a:rPr>
@@ -6202,7 +6363,7 @@
             </a:r>
             <a:r>
               <a:rPr lang="en-US" sz="6600" b="1" dirty="0" err="1">
-                <a:latin typeface="VNI-Korin" pitchFamily="2" charset="0"/>
+                <a:latin typeface="VNI-Times" pitchFamily="2" charset="0"/>
                 <a:ea typeface="Times New Roman"/>
                 <a:cs typeface="Times New Roman"/>
               </a:rPr>
@@ -6210,54 +6371,54 @@
             </a:r>
             <a:r>
               <a:rPr lang="en-US" sz="6600" b="1" dirty="0">
-                <a:latin typeface="VNI-Korin" pitchFamily="2" charset="0"/>
+                <a:latin typeface="VNI-Times" pitchFamily="2" charset="0"/>
                 <a:ea typeface="Times New Roman"/>
                 <a:cs typeface="Times New Roman"/>
               </a:rPr>
               <a:t> </a:t>
             </a:r>
             <a:r>
-              <a:rPr lang="en-US" sz="6600" b="1" err="1">
-                <a:latin typeface="VNI-Korin" pitchFamily="2" charset="0"/>
+              <a:rPr lang="en-US" sz="6600" b="1" dirty="0" err="1">
+                <a:latin typeface="VNI-Times" pitchFamily="2" charset="0"/>
                 <a:ea typeface="Times New Roman"/>
                 <a:cs typeface="Times New Roman"/>
               </a:rPr>
               <a:t>ñaây</a:t>
             </a:r>
             <a:r>
-              <a:rPr lang="en-US" sz="6600" b="1">
-                <a:latin typeface="VNI-Korin" pitchFamily="2" charset="0"/>
+              <a:rPr lang="en-US" sz="6600" b="1" dirty="0">
+                <a:latin typeface="VNI-Times" pitchFamily="2" charset="0"/>
                 <a:ea typeface="Times New Roman"/>
                 <a:cs typeface="Times New Roman"/>
               </a:rPr>
               <a:t> </a:t>
             </a:r>
-            <a:r>
-              <a:rPr lang="en-US" sz="6600" b="1" smtClean="0">
-                <a:latin typeface="VNI-Korin" pitchFamily="2" charset="0"/>
-                <a:ea typeface="Times New Roman"/>
-                <a:cs typeface="Times New Roman"/>
-              </a:rPr>
-              <a:t/>
-            </a:r>
             <a:br>
-              <a:rPr lang="en-US" sz="6600" b="1" smtClean="0">
-                <a:latin typeface="VNI-Korin" pitchFamily="2" charset="0"/>
+              <a:rPr lang="en-US" sz="6600" b="1" dirty="0">
+                <a:latin typeface="VNI-Times" pitchFamily="2" charset="0"/>
                 <a:ea typeface="Times New Roman"/>
                 <a:cs typeface="Times New Roman"/>
               </a:rPr>
             </a:br>
             <a:r>
-              <a:rPr lang="en-US" sz="6600" b="1" smtClean="0">
-                <a:latin typeface="VNI-Korin" pitchFamily="2" charset="0"/>
-                <a:ea typeface="Times New Roman"/>
-                <a:cs typeface="Times New Roman"/>
-              </a:rPr>
-              <a:t>cung </a:t>
-            </a:r>
-            <a:r>
               <a:rPr lang="en-US" sz="6600" b="1" dirty="0" err="1">
-                <a:latin typeface="VNI-Korin" pitchFamily="2" charset="0"/>
+                <a:latin typeface="VNI-Times" pitchFamily="2" charset="0"/>
+                <a:ea typeface="Times New Roman"/>
+                <a:cs typeface="Times New Roman"/>
+              </a:rPr>
+              <a:t>cung</a:t>
+            </a:r>
+            <a:r>
+              <a:rPr lang="en-US" sz="6600" b="1" dirty="0">
+                <a:latin typeface="VNI-Times" pitchFamily="2" charset="0"/>
+                <a:ea typeface="Times New Roman"/>
+                <a:cs typeface="Times New Roman"/>
+              </a:rPr>
+              <a:t> </a:t>
+            </a:r>
+            <a:r>
+              <a:rPr lang="en-US" sz="6600" b="1" dirty="0" err="1">
+                <a:latin typeface="VNI-Times" pitchFamily="2" charset="0"/>
                 <a:ea typeface="Times New Roman"/>
                 <a:cs typeface="Times New Roman"/>
               </a:rPr>
@@ -6265,77 +6426,85 @@
             </a:r>
             <a:r>
               <a:rPr lang="en-US" sz="6600" b="1" dirty="0">
-                <a:latin typeface="VNI-Korin" pitchFamily="2" charset="0"/>
+                <a:latin typeface="VNI-Times" pitchFamily="2" charset="0"/>
                 <a:ea typeface="Times New Roman"/>
                 <a:cs typeface="Times New Roman"/>
               </a:rPr>
               <a:t> </a:t>
             </a:r>
             <a:r>
-              <a:rPr lang="en-US" sz="6600" b="1" err="1">
-                <a:latin typeface="VNI-Korin" pitchFamily="2" charset="0"/>
+              <a:rPr lang="en-US" sz="6600" b="1" dirty="0" err="1">
+                <a:latin typeface="VNI-Times" pitchFamily="2" charset="0"/>
                 <a:ea typeface="Times New Roman"/>
                 <a:cs typeface="Times New Roman"/>
               </a:rPr>
               <a:t>haùt</a:t>
             </a:r>
             <a:r>
-              <a:rPr lang="en-US" sz="6600" b="1">
-                <a:latin typeface="VNI-Korin" pitchFamily="2" charset="0"/>
+              <a:rPr lang="en-US" sz="6600" b="1" dirty="0">
+                <a:latin typeface="VNI-Times" pitchFamily="2" charset="0"/>
                 <a:ea typeface="Times New Roman"/>
                 <a:cs typeface="Times New Roman"/>
               </a:rPr>
               <a:t> </a:t>
             </a:r>
-            <a:r>
-              <a:rPr lang="en-US" sz="6600" b="1" smtClean="0">
-                <a:latin typeface="VNI-Korin" pitchFamily="2" charset="0"/>
-                <a:ea typeface="Times New Roman"/>
-                <a:cs typeface="Times New Roman"/>
-              </a:rPr>
-              <a:t/>
-            </a:r>
             <a:br>
-              <a:rPr lang="en-US" sz="6600" b="1" smtClean="0">
-                <a:latin typeface="VNI-Korin" pitchFamily="2" charset="0"/>
+              <a:rPr lang="en-US" sz="6600" b="1" dirty="0">
+                <a:latin typeface="VNI-Times" pitchFamily="2" charset="0"/>
                 <a:ea typeface="Times New Roman"/>
                 <a:cs typeface="Times New Roman"/>
               </a:rPr>
             </a:br>
             <a:r>
-              <a:rPr lang="en-US" sz="6600" b="1" smtClean="0">
-                <a:latin typeface="VNI-Korin" pitchFamily="2" charset="0"/>
-                <a:ea typeface="Times New Roman"/>
-                <a:cs typeface="Times New Roman"/>
-              </a:rPr>
-              <a:t>toân </a:t>
-            </a:r>
-            <a:r>
-              <a:rPr lang="en-US" sz="6600" b="1" smtClean="0">
-                <a:latin typeface="VNI-Korin" pitchFamily="2" charset="0"/>
-                <a:ea typeface="Times New Roman"/>
-                <a:cs typeface="Times New Roman"/>
-              </a:rPr>
-              <a:t>vinh </a:t>
-            </a:r>
-            <a:r>
-              <a:rPr lang="en-US" sz="6600" b="1" smtClean="0">
-                <a:latin typeface="VNI-Korin" pitchFamily="2" charset="0"/>
+              <a:rPr lang="en-US" sz="6600" b="1" dirty="0" err="1">
+                <a:latin typeface="VNI-Times" pitchFamily="2" charset="0"/>
+                <a:ea typeface="Times New Roman"/>
+                <a:cs typeface="Times New Roman"/>
+              </a:rPr>
+              <a:t>toân</a:t>
+            </a:r>
+            <a:r>
+              <a:rPr lang="en-US" sz="6600" b="1" dirty="0">
+                <a:latin typeface="VNI-Times" pitchFamily="2" charset="0"/>
+                <a:ea typeface="Times New Roman"/>
+                <a:cs typeface="Times New Roman"/>
+              </a:rPr>
+              <a:t> </a:t>
+            </a:r>
+            <a:r>
+              <a:rPr lang="en-US" sz="6600" b="1" dirty="0" err="1">
+                <a:latin typeface="VNI-Times" pitchFamily="2" charset="0"/>
+                <a:ea typeface="Times New Roman"/>
+                <a:cs typeface="Times New Roman"/>
+              </a:rPr>
+              <a:t>vinh</a:t>
+            </a:r>
+            <a:r>
+              <a:rPr lang="en-US" sz="6600" b="1" dirty="0">
+                <a:latin typeface="VNI-Times" pitchFamily="2" charset="0"/>
+                <a:ea typeface="Times New Roman"/>
+                <a:cs typeface="Times New Roman"/>
+              </a:rPr>
+              <a:t> </a:t>
+            </a:r>
+            <a:r>
+              <a:rPr lang="en-US" sz="6600" b="1" dirty="0" err="1">
+                <a:latin typeface="VNI-Times" pitchFamily="2" charset="0"/>
                 <a:ea typeface="Times New Roman"/>
                 <a:cs typeface="Times New Roman"/>
               </a:rPr>
               <a:t>Ngaøi</a:t>
             </a:r>
             <a:r>
-              <a:rPr lang="en-US" sz="6600" b="1">
-                <a:latin typeface="VNI-Korin" pitchFamily="2" charset="0"/>
+              <a:rPr lang="en-US" sz="6600" b="1" dirty="0">
+                <a:latin typeface="VNI-Times" pitchFamily="2" charset="0"/>
                 <a:ea typeface="Times New Roman"/>
                 <a:cs typeface="Times New Roman"/>
               </a:rPr>
               <a:t>.</a:t>
             </a:r>
             <a:endParaRPr lang="en-US" sz="6600" b="1" dirty="0">
-              <a:latin typeface="VNI-Korin" pitchFamily="2" charset="0"/>
+              <a:latin typeface="VNI-Times" pitchFamily="2" charset="0"/>
               <a:ea typeface="+mj-ea"/>
               <a:cs typeface="+mj-cs"/>
             </a:endParaRPr>
@@ -6350,13 +6519,6 @@
   <p:transition spd="slow">
     <p:randomBar dir="vert"/>
   </p:transition>
-  <p:timing>
-    <p:tnLst>
-      <p:par>
-        <p:cTn id="1" dur="indefinite" restart="never" nodeType="tmRoot"/>
-      </p:par>
-    </p:tnLst>
-  </p:timing>
 </p:sld>
 </file>
 
@@ -6549,7 +6711,7 @@
         <p:spPr>
           <a:xfrm>
             <a:off x="712628" y="228600"/>
-            <a:ext cx="8355172" cy="492443"/>
+            <a:ext cx="4039888" cy="492443"/>
           </a:xfrm>
           <a:prstGeom prst="rect">
             <a:avLst/>
@@ -6611,7 +6773,7 @@
                     </a:srgbClr>
                   </a:outerShdw>
                 </a:effectLst>
-                <a:latin typeface="HP-Thunder" pitchFamily="34" charset="0"/>
+                <a:latin typeface="VNI-Times" pitchFamily="2" charset="0"/>
                 <a:cs typeface="+mn-cs"/>
               </a:rPr>
               <a:t>CUNG KÍNH TOÂN VINH</a:t>
@@ -6647,69 +6809,117 @@
               <a:defRPr/>
             </a:pPr>
             <a:r>
-              <a:rPr lang="en-US" sz="6600" b="1" smtClean="0">
-                <a:latin typeface="VNI-Korin" pitchFamily="2" charset="0"/>
-                <a:ea typeface="Times New Roman"/>
-                <a:cs typeface="Times New Roman"/>
-              </a:rPr>
-              <a:t>Laø </a:t>
-            </a:r>
-            <a:r>
-              <a:rPr lang="en-US" sz="6600" b="1">
-                <a:latin typeface="VNI-Korin" pitchFamily="2" charset="0"/>
-                <a:ea typeface="Times New Roman"/>
-                <a:cs typeface="Times New Roman"/>
-              </a:rPr>
-              <a:t>Chuùa </a:t>
-            </a:r>
-            <a:r>
-              <a:rPr lang="en-US" sz="6600" b="1" smtClean="0">
-                <a:latin typeface="VNI-Korin" pitchFamily="2" charset="0"/>
-                <a:ea typeface="Times New Roman"/>
-                <a:cs typeface="Times New Roman"/>
-              </a:rPr>
-              <a:t/>
+              <a:rPr lang="en-US" sz="6600" b="1" dirty="0" err="1">
+                <a:latin typeface="VNI-Times" pitchFamily="2" charset="0"/>
+                <a:ea typeface="Times New Roman"/>
+                <a:cs typeface="Times New Roman"/>
+              </a:rPr>
+              <a:t>Laø</a:t>
+            </a:r>
+            <a:r>
+              <a:rPr lang="en-US" sz="6600" b="1" dirty="0">
+                <a:latin typeface="VNI-Times" pitchFamily="2" charset="0"/>
+                <a:ea typeface="Times New Roman"/>
+                <a:cs typeface="Times New Roman"/>
+              </a:rPr>
+              <a:t> </a:t>
+            </a:r>
+            <a:r>
+              <a:rPr lang="en-US" sz="6600" b="1" dirty="0" err="1">
+                <a:latin typeface="VNI-Times" pitchFamily="2" charset="0"/>
+                <a:ea typeface="Times New Roman"/>
+                <a:cs typeface="Times New Roman"/>
+              </a:rPr>
+              <a:t>Chuùa</a:t>
+            </a:r>
+            <a:r>
+              <a:rPr lang="en-US" sz="6600" b="1" dirty="0">
+                <a:latin typeface="VNI-Times" pitchFamily="2" charset="0"/>
+                <a:ea typeface="Times New Roman"/>
+                <a:cs typeface="Times New Roman"/>
+              </a:rPr>
+              <a:t> </a:t>
             </a:r>
             <a:br>
-              <a:rPr lang="en-US" sz="6600" b="1" smtClean="0">
-                <a:latin typeface="VNI-Korin" pitchFamily="2" charset="0"/>
+              <a:rPr lang="en-US" sz="6600" b="1" dirty="0">
+                <a:latin typeface="VNI-Times" pitchFamily="2" charset="0"/>
                 <a:ea typeface="Times New Roman"/>
                 <a:cs typeface="Times New Roman"/>
               </a:rPr>
             </a:br>
             <a:r>
-              <a:rPr lang="en-US" sz="6600" b="1" smtClean="0">
-                <a:latin typeface="VNI-Korin" pitchFamily="2" charset="0"/>
-                <a:ea typeface="Times New Roman"/>
-                <a:cs typeface="Times New Roman"/>
-              </a:rPr>
-              <a:t>Gieâ-Hoâ-Va </a:t>
+              <a:rPr lang="en-US" sz="6600" b="1" dirty="0" err="1">
+                <a:latin typeface="VNI-Times" pitchFamily="2" charset="0"/>
+                <a:ea typeface="Times New Roman"/>
+                <a:cs typeface="Times New Roman"/>
+              </a:rPr>
+              <a:t>Gieâ-Hoâ-Va</a:t>
+            </a:r>
+            <a:r>
+              <a:rPr lang="en-US" sz="6600" b="1" dirty="0">
+                <a:latin typeface="VNI-Times" pitchFamily="2" charset="0"/>
+                <a:ea typeface="Times New Roman"/>
+                <a:cs typeface="Times New Roman"/>
+              </a:rPr>
+              <a:t> </a:t>
             </a:r>
             <a:br>
-              <a:rPr lang="en-US" sz="6600" b="1" smtClean="0">
-                <a:latin typeface="VNI-Korin" pitchFamily="2" charset="0"/>
+              <a:rPr lang="en-US" sz="6600" b="1" dirty="0">
+                <a:latin typeface="VNI-Times" pitchFamily="2" charset="0"/>
                 <a:ea typeface="Times New Roman"/>
                 <a:cs typeface="Times New Roman"/>
               </a:rPr>
             </a:br>
             <a:r>
-              <a:rPr lang="en-US" sz="6600" b="1" smtClean="0">
-                <a:latin typeface="VNI-Korin" pitchFamily="2" charset="0"/>
-                <a:ea typeface="Times New Roman"/>
-                <a:cs typeface="Times New Roman"/>
-              </a:rPr>
-              <a:t>toaøn </a:t>
-            </a:r>
-            <a:r>
-              <a:rPr lang="en-US" sz="6600" b="1">
-                <a:latin typeface="VNI-Korin" pitchFamily="2" charset="0"/>
-                <a:ea typeface="Times New Roman"/>
-                <a:cs typeface="Times New Roman"/>
-              </a:rPr>
-              <a:t>theá gian. </a:t>
+              <a:rPr lang="en-US" sz="6600" b="1" dirty="0" err="1">
+                <a:latin typeface="VNI-Times" pitchFamily="2" charset="0"/>
+                <a:ea typeface="Times New Roman"/>
+                <a:cs typeface="Times New Roman"/>
+              </a:rPr>
+              <a:t>toaøn</a:t>
+            </a:r>
+            <a:r>
+              <a:rPr lang="en-US" sz="6600" b="1" dirty="0">
+                <a:latin typeface="VNI-Times" pitchFamily="2" charset="0"/>
+                <a:ea typeface="Times New Roman"/>
+                <a:cs typeface="Times New Roman"/>
+              </a:rPr>
+              <a:t> </a:t>
+            </a:r>
+            <a:r>
+              <a:rPr lang="en-US" sz="6600" b="1" dirty="0" err="1">
+                <a:latin typeface="VNI-Times" pitchFamily="2" charset="0"/>
+                <a:ea typeface="Times New Roman"/>
+                <a:cs typeface="Times New Roman"/>
+              </a:rPr>
+              <a:t>theá</a:t>
+            </a:r>
+            <a:r>
+              <a:rPr lang="en-US" sz="6600" b="1" dirty="0">
+                <a:latin typeface="VNI-Times" pitchFamily="2" charset="0"/>
+                <a:ea typeface="Times New Roman"/>
+                <a:cs typeface="Times New Roman"/>
+              </a:rPr>
+              <a:t> </a:t>
+            </a:r>
+            <a:r>
+              <a:rPr lang="en-US" sz="6600" b="1" dirty="0" err="1">
+                <a:latin typeface="VNI-Times" pitchFamily="2" charset="0"/>
+                <a:ea typeface="Times New Roman"/>
+                <a:cs typeface="Times New Roman"/>
+              </a:rPr>
+              <a:t>gian</a:t>
+            </a:r>
+            <a:r>
+              <a:rPr lang="en-US" sz="6600" b="1" dirty="0">
+                <a:latin typeface="VNI-Times" pitchFamily="2" charset="0"/>
+                <a:ea typeface="Times New Roman"/>
+                <a:cs typeface="Times New Roman"/>
+              </a:rPr>
+              <a:t>. </a:t>
             </a:r>
             <a:endParaRPr lang="en-US" sz="6600" b="1" dirty="0">
-              <a:latin typeface="VNI-Korin" pitchFamily="2" charset="0"/>
+              <a:latin typeface="VNI-Times" pitchFamily="2" charset="0"/>
             </a:endParaRPr>
           </a:p>
         </p:txBody>
@@ -6724,13 +6934,6 @@
   <p:clrMapOvr>
     <a:masterClrMapping/>
   </p:clrMapOvr>
-  <p:timing>
-    <p:tnLst>
-      <p:par>
-        <p:cTn id="1" dur="indefinite" restart="never" nodeType="tmRoot"/>
-      </p:par>
-    </p:tnLst>
-  </p:timing>
 </p:sld>
 </file>
 
@@ -6923,7 +7126,7 @@
         <p:spPr>
           <a:xfrm>
             <a:off x="712628" y="228600"/>
-            <a:ext cx="8355172" cy="492443"/>
+            <a:ext cx="4039888" cy="492443"/>
           </a:xfrm>
           <a:prstGeom prst="rect">
             <a:avLst/>
@@ -6985,7 +7188,7 @@
                     </a:srgbClr>
                   </a:outerShdw>
                 </a:effectLst>
-                <a:latin typeface="HP-Thunder" pitchFamily="34" charset="0"/>
+                <a:latin typeface="VNI-Times" pitchFamily="2" charset="0"/>
                 <a:cs typeface="+mn-cs"/>
               </a:rPr>
               <a:t>CUNG KÍNH TOÂN VINH</a:t>
@@ -7021,55 +7224,63 @@
               <a:defRPr/>
             </a:pPr>
             <a:r>
-              <a:rPr lang="en-US" sz="6600" b="1" smtClean="0">
-                <a:latin typeface="VNI-Korin" pitchFamily="2" charset="0"/>
-                <a:ea typeface="Times New Roman"/>
-                <a:cs typeface="Times New Roman"/>
-              </a:rPr>
-              <a:t>Toaøn </a:t>
-            </a:r>
-            <a:r>
               <a:rPr lang="en-US" sz="6600" b="1" dirty="0" err="1">
-                <a:latin typeface="VNI-Korin" pitchFamily="2" charset="0"/>
+                <a:latin typeface="VNI-Times" pitchFamily="2" charset="0"/>
+                <a:ea typeface="Times New Roman"/>
+                <a:cs typeface="Times New Roman"/>
+              </a:rPr>
+              <a:t>Toaøn</a:t>
+            </a:r>
+            <a:r>
+              <a:rPr lang="en-US" sz="6600" b="1" dirty="0">
+                <a:latin typeface="VNI-Times" pitchFamily="2" charset="0"/>
+                <a:ea typeface="Times New Roman"/>
+                <a:cs typeface="Times New Roman"/>
+              </a:rPr>
+              <a:t> </a:t>
+            </a:r>
+            <a:r>
+              <a:rPr lang="en-US" sz="6600" b="1" dirty="0" err="1">
+                <a:latin typeface="VNI-Times" pitchFamily="2" charset="0"/>
                 <a:ea typeface="Times New Roman"/>
                 <a:cs typeface="Times New Roman"/>
               </a:rPr>
               <a:t>quyeàn</a:t>
             </a:r>
             <a:r>
-              <a:rPr lang="en-US" sz="6600" b="1">
-                <a:latin typeface="VNI-Korin" pitchFamily="2" charset="0"/>
+              <a:rPr lang="en-US" sz="6600" b="1" dirty="0">
+                <a:latin typeface="VNI-Times" pitchFamily="2" charset="0"/>
                 <a:ea typeface="Times New Roman"/>
                 <a:cs typeface="Times New Roman"/>
               </a:rPr>
               <a:t>, </a:t>
             </a:r>
-            <a:r>
-              <a:rPr lang="en-US" sz="6600" b="1" smtClean="0">
-                <a:latin typeface="VNI-Korin" pitchFamily="2" charset="0"/>
-                <a:ea typeface="Times New Roman"/>
-                <a:cs typeface="Times New Roman"/>
-              </a:rPr>
-              <a:t/>
-            </a:r>
             <a:br>
-              <a:rPr lang="en-US" sz="6600" b="1" smtClean="0">
-                <a:latin typeface="VNI-Korin" pitchFamily="2" charset="0"/>
+              <a:rPr lang="en-US" sz="6600" b="1" dirty="0">
+                <a:latin typeface="VNI-Times" pitchFamily="2" charset="0"/>
                 <a:ea typeface="Times New Roman"/>
                 <a:cs typeface="Times New Roman"/>
               </a:rPr>
             </a:br>
             <a:r>
-              <a:rPr lang="en-US" sz="6600" b="1" smtClean="0">
-                <a:latin typeface="VNI-Korin" pitchFamily="2" charset="0"/>
-                <a:ea typeface="Times New Roman"/>
-                <a:cs typeface="Times New Roman"/>
-              </a:rPr>
-              <a:t>toaøn </a:t>
-            </a:r>
-            <a:r>
               <a:rPr lang="en-US" sz="6600" b="1" dirty="0" err="1">
-                <a:latin typeface="VNI-Korin" pitchFamily="2" charset="0"/>
+                <a:latin typeface="VNI-Times" pitchFamily="2" charset="0"/>
+                <a:ea typeface="Times New Roman"/>
+                <a:cs typeface="Times New Roman"/>
+              </a:rPr>
+              <a:t>toaøn</a:t>
+            </a:r>
+            <a:r>
+              <a:rPr lang="en-US" sz="6600" b="1" dirty="0">
+                <a:latin typeface="VNI-Times" pitchFamily="2" charset="0"/>
+                <a:ea typeface="Times New Roman"/>
+                <a:cs typeface="Times New Roman"/>
+              </a:rPr>
+              <a:t> </a:t>
+            </a:r>
+            <a:r>
+              <a:rPr lang="en-US" sz="6600" b="1" dirty="0" err="1">
+                <a:latin typeface="VNI-Times" pitchFamily="2" charset="0"/>
                 <a:ea typeface="Times New Roman"/>
                 <a:cs typeface="Times New Roman"/>
               </a:rPr>
@@ -7077,54 +7288,54 @@
             </a:r>
             <a:r>
               <a:rPr lang="en-US" sz="6600" b="1" dirty="0">
-                <a:latin typeface="VNI-Korin" pitchFamily="2" charset="0"/>
+                <a:latin typeface="VNI-Times" pitchFamily="2" charset="0"/>
                 <a:ea typeface="Times New Roman"/>
                 <a:cs typeface="Times New Roman"/>
               </a:rPr>
               <a:t> </a:t>
             </a:r>
             <a:r>
-              <a:rPr lang="en-US" sz="6600" b="1" err="1">
-                <a:latin typeface="VNI-Korin" pitchFamily="2" charset="0"/>
+              <a:rPr lang="en-US" sz="6600" b="1" dirty="0" err="1">
+                <a:latin typeface="VNI-Times" pitchFamily="2" charset="0"/>
                 <a:ea typeface="Times New Roman"/>
                 <a:cs typeface="Times New Roman"/>
               </a:rPr>
               <a:t>baát</a:t>
             </a:r>
             <a:r>
-              <a:rPr lang="en-US" sz="6600" b="1">
-                <a:latin typeface="VNI-Korin" pitchFamily="2" charset="0"/>
+              <a:rPr lang="en-US" sz="6600" b="1" dirty="0">
+                <a:latin typeface="VNI-Times" pitchFamily="2" charset="0"/>
                 <a:ea typeface="Times New Roman"/>
                 <a:cs typeface="Times New Roman"/>
               </a:rPr>
               <a:t> </a:t>
             </a:r>
-            <a:r>
-              <a:rPr lang="en-US" sz="6600" b="1" smtClean="0">
-                <a:latin typeface="VNI-Korin" pitchFamily="2" charset="0"/>
-                <a:ea typeface="Times New Roman"/>
-                <a:cs typeface="Times New Roman"/>
-              </a:rPr>
-              <a:t/>
-            </a:r>
             <a:br>
-              <a:rPr lang="en-US" sz="6600" b="1" smtClean="0">
-                <a:latin typeface="VNI-Korin" pitchFamily="2" charset="0"/>
+              <a:rPr lang="en-US" sz="6600" b="1" dirty="0">
+                <a:latin typeface="VNI-Times" pitchFamily="2" charset="0"/>
                 <a:ea typeface="Times New Roman"/>
                 <a:cs typeface="Times New Roman"/>
               </a:rPr>
             </a:br>
             <a:r>
-              <a:rPr lang="en-US" sz="6600" b="1" smtClean="0">
-                <a:latin typeface="VNI-Korin" pitchFamily="2" charset="0"/>
-                <a:ea typeface="Times New Roman"/>
-                <a:cs typeface="Times New Roman"/>
-              </a:rPr>
-              <a:t>bieán </a:t>
-            </a:r>
-            <a:r>
               <a:rPr lang="en-US" sz="6600" b="1" dirty="0" err="1">
-                <a:latin typeface="VNI-Korin" pitchFamily="2" charset="0"/>
+                <a:latin typeface="VNI-Times" pitchFamily="2" charset="0"/>
+                <a:ea typeface="Times New Roman"/>
+                <a:cs typeface="Times New Roman"/>
+              </a:rPr>
+              <a:t>bieán</a:t>
+            </a:r>
+            <a:r>
+              <a:rPr lang="en-US" sz="6600" b="1" dirty="0">
+                <a:latin typeface="VNI-Times" pitchFamily="2" charset="0"/>
+                <a:ea typeface="Times New Roman"/>
+                <a:cs typeface="Times New Roman"/>
+              </a:rPr>
+              <a:t> </a:t>
+            </a:r>
+            <a:r>
+              <a:rPr lang="en-US" sz="6600" b="1" dirty="0" err="1">
+                <a:latin typeface="VNI-Times" pitchFamily="2" charset="0"/>
                 <a:ea typeface="Times New Roman"/>
                 <a:cs typeface="Times New Roman"/>
               </a:rPr>
@@ -7132,7 +7343,7 @@
             </a:r>
             <a:r>
               <a:rPr lang="en-US" sz="6600" b="1" dirty="0">
-                <a:latin typeface="VNI-Korin" pitchFamily="2" charset="0"/>
+                <a:latin typeface="VNI-Times" pitchFamily="2" charset="0"/>
                 <a:ea typeface="Times New Roman"/>
                 <a:cs typeface="Times New Roman"/>
               </a:rPr>
@@ -7140,7 +7351,7 @@
             </a:r>
             <a:r>
               <a:rPr lang="en-US" sz="6600" b="1" dirty="0" err="1">
-                <a:latin typeface="VNI-Korin" pitchFamily="2" charset="0"/>
+                <a:latin typeface="VNI-Times" pitchFamily="2" charset="0"/>
                 <a:ea typeface="Times New Roman"/>
                 <a:cs typeface="Times New Roman"/>
               </a:rPr>
@@ -7148,7 +7359,7 @@
             </a:r>
             <a:r>
               <a:rPr lang="en-US" sz="6600" b="1" dirty="0">
-                <a:latin typeface="VNI-Korin" pitchFamily="2" charset="0"/>
+                <a:latin typeface="VNI-Times" pitchFamily="2" charset="0"/>
                 <a:ea typeface="Times New Roman"/>
                 <a:cs typeface="Times New Roman"/>
               </a:rPr>
@@ -7156,22 +7367,22 @@
             </a:r>
             <a:r>
               <a:rPr lang="en-US" sz="6600" b="1" dirty="0" err="1">
-                <a:latin typeface="VNI-Korin" pitchFamily="2" charset="0"/>
+                <a:latin typeface="VNI-Times" pitchFamily="2" charset="0"/>
                 <a:ea typeface="Times New Roman"/>
                 <a:cs typeface="Times New Roman"/>
               </a:rPr>
               <a:t>truï</a:t>
             </a:r>
             <a:r>
-              <a:rPr lang="en-US" sz="6600" b="1">
-                <a:latin typeface="VNI-Korin" pitchFamily="2" charset="0"/>
+              <a:rPr lang="en-US" sz="6600" b="1" dirty="0">
+                <a:latin typeface="VNI-Times" pitchFamily="2" charset="0"/>
                 <a:ea typeface="Times New Roman"/>
                 <a:cs typeface="Times New Roman"/>
               </a:rPr>
               <a:t>. </a:t>
             </a:r>
             <a:endParaRPr lang="en-US" sz="6600" b="1" dirty="0">
-              <a:latin typeface="VNI-Korin" pitchFamily="2" charset="0"/>
+              <a:latin typeface="VNI-Times" pitchFamily="2" charset="0"/>
               <a:ea typeface="+mj-ea"/>
               <a:cs typeface="+mj-cs"/>
             </a:endParaRPr>
@@ -7183,13 +7394,6 @@
   <p:clrMapOvr>
     <a:masterClrMapping/>
   </p:clrMapOvr>
-  <p:timing>
-    <p:tnLst>
-      <p:par>
-        <p:cTn id="1" dur="indefinite" restart="never" nodeType="tmRoot"/>
-      </p:par>
-    </p:tnLst>
-  </p:timing>
 </p:sld>
 </file>
 
@@ -7382,7 +7586,7 @@
         <p:spPr>
           <a:xfrm>
             <a:off x="712628" y="228600"/>
-            <a:ext cx="8355172" cy="492443"/>
+            <a:ext cx="4039888" cy="492443"/>
           </a:xfrm>
           <a:prstGeom prst="rect">
             <a:avLst/>
@@ -7444,7 +7648,7 @@
                     </a:srgbClr>
                   </a:outerShdw>
                 </a:effectLst>
-                <a:latin typeface="HP-Thunder" pitchFamily="34" charset="0"/>
+                <a:latin typeface="VNI-Times" pitchFamily="2" charset="0"/>
                 <a:cs typeface="+mn-cs"/>
               </a:rPr>
               <a:t>CUNG KÍNH TOÂN VINH</a:t>
@@ -7480,45 +7684,149 @@
               <a:defRPr/>
             </a:pPr>
             <a:r>
-              <a:rPr lang="en-US" sz="6600" b="1">
-                <a:latin typeface="VNI-Korin" pitchFamily="2" charset="0"/>
-                <a:ea typeface="Times New Roman"/>
-                <a:cs typeface="Times New Roman"/>
-              </a:rPr>
-              <a:t>Toân vinh Chuùa </a:t>
+              <a:rPr lang="en-US" sz="6600" b="1" dirty="0" err="1">
+                <a:latin typeface="VNI-Times" pitchFamily="2" charset="0"/>
+                <a:ea typeface="Times New Roman"/>
+                <a:cs typeface="Times New Roman"/>
+              </a:rPr>
+              <a:t>Toân</a:t>
+            </a:r>
+            <a:r>
+              <a:rPr lang="en-US" sz="6600" b="1" dirty="0">
+                <a:latin typeface="VNI-Times" pitchFamily="2" charset="0"/>
+                <a:ea typeface="Times New Roman"/>
+                <a:cs typeface="Times New Roman"/>
+              </a:rPr>
+              <a:t> </a:t>
+            </a:r>
+            <a:r>
+              <a:rPr lang="en-US" sz="6600" b="1" dirty="0" err="1">
+                <a:latin typeface="VNI-Times" pitchFamily="2" charset="0"/>
+                <a:ea typeface="Times New Roman"/>
+                <a:cs typeface="Times New Roman"/>
+              </a:rPr>
+              <a:t>vinh</a:t>
+            </a:r>
+            <a:r>
+              <a:rPr lang="en-US" sz="6600" b="1" dirty="0">
+                <a:latin typeface="VNI-Times" pitchFamily="2" charset="0"/>
+                <a:ea typeface="Times New Roman"/>
+                <a:cs typeface="Times New Roman"/>
+              </a:rPr>
+              <a:t> </a:t>
+            </a:r>
+            <a:r>
+              <a:rPr lang="en-US" sz="6600" b="1" dirty="0" err="1">
+                <a:latin typeface="VNI-Times" pitchFamily="2" charset="0"/>
+                <a:ea typeface="Times New Roman"/>
+                <a:cs typeface="Times New Roman"/>
+              </a:rPr>
+              <a:t>Chuùa</a:t>
+            </a:r>
+            <a:r>
+              <a:rPr lang="en-US" sz="6600" b="1" dirty="0">
+                <a:latin typeface="VNI-Times" pitchFamily="2" charset="0"/>
+                <a:ea typeface="Times New Roman"/>
+                <a:cs typeface="Times New Roman"/>
+              </a:rPr>
+              <a:t> </a:t>
             </a:r>
             <a:br>
-              <a:rPr lang="en-US" sz="6600" b="1">
-                <a:latin typeface="VNI-Korin" pitchFamily="2" charset="0"/>
+              <a:rPr lang="en-US" sz="6600" b="1" dirty="0">
+                <a:latin typeface="VNI-Times" pitchFamily="2" charset="0"/>
                 <a:ea typeface="Times New Roman"/>
                 <a:cs typeface="Times New Roman"/>
               </a:rPr>
             </a:br>
             <a:r>
-              <a:rPr lang="en-US" sz="6600" b="1">
-                <a:latin typeface="VNI-Korin" pitchFamily="2" charset="0"/>
-                <a:ea typeface="Times New Roman"/>
-                <a:cs typeface="Times New Roman"/>
-              </a:rPr>
-              <a:t>yeâu thöông, </a:t>
+              <a:rPr lang="en-US" sz="6600" b="1" dirty="0" err="1">
+                <a:latin typeface="VNI-Times" pitchFamily="2" charset="0"/>
+                <a:ea typeface="Times New Roman"/>
+                <a:cs typeface="Times New Roman"/>
+              </a:rPr>
+              <a:t>yeâu</a:t>
+            </a:r>
+            <a:r>
+              <a:rPr lang="en-US" sz="6600" b="1" dirty="0">
+                <a:latin typeface="VNI-Times" pitchFamily="2" charset="0"/>
+                <a:ea typeface="Times New Roman"/>
+                <a:cs typeface="Times New Roman"/>
+              </a:rPr>
+              <a:t> </a:t>
+            </a:r>
+            <a:r>
+              <a:rPr lang="en-US" sz="6600" b="1" dirty="0" err="1">
+                <a:latin typeface="VNI-Times" pitchFamily="2" charset="0"/>
+                <a:ea typeface="Times New Roman"/>
+                <a:cs typeface="Times New Roman"/>
+              </a:rPr>
+              <a:t>thöông</a:t>
+            </a:r>
+            <a:r>
+              <a:rPr lang="en-US" sz="6600" b="1" dirty="0">
+                <a:latin typeface="VNI-Times" pitchFamily="2" charset="0"/>
+                <a:ea typeface="Times New Roman"/>
+                <a:cs typeface="Times New Roman"/>
+              </a:rPr>
+              <a:t>, </a:t>
             </a:r>
             <a:br>
-              <a:rPr lang="en-US" sz="6600" b="1">
-                <a:latin typeface="VNI-Korin" pitchFamily="2" charset="0"/>
+              <a:rPr lang="en-US" sz="6600" b="1" dirty="0">
+                <a:latin typeface="VNI-Times" pitchFamily="2" charset="0"/>
                 <a:ea typeface="Times New Roman"/>
                 <a:cs typeface="Times New Roman"/>
               </a:rPr>
             </a:br>
             <a:r>
-              <a:rPr lang="en-US" sz="6600" b="1">
-                <a:latin typeface="VNI-Korin" pitchFamily="2" charset="0"/>
-                <a:ea typeface="Times New Roman"/>
-                <a:cs typeface="Times New Roman"/>
-              </a:rPr>
-              <a:t>Chuùa coâng bình.</a:t>
+              <a:rPr lang="en-US" sz="6600" b="1" dirty="0" err="1">
+                <a:latin typeface="VNI-Times" pitchFamily="2" charset="0"/>
+                <a:ea typeface="Times New Roman"/>
+                <a:cs typeface="Times New Roman"/>
+              </a:rPr>
+              <a:t>Chuùa</a:t>
+            </a:r>
+            <a:r>
+              <a:rPr lang="en-US" sz="6600" b="1" dirty="0">
+                <a:latin typeface="VNI-Times" pitchFamily="2" charset="0"/>
+                <a:ea typeface="Times New Roman"/>
+                <a:cs typeface="Times New Roman"/>
+              </a:rPr>
+              <a:t> </a:t>
+            </a:r>
+            <a:r>
+              <a:rPr lang="en-US" sz="6600" b="1" dirty="0" err="1">
+                <a:latin typeface="VNI-Times" pitchFamily="2" charset="0"/>
+                <a:ea typeface="Times New Roman"/>
+                <a:cs typeface="Times New Roman"/>
+              </a:rPr>
+              <a:t>coâng</a:t>
+            </a:r>
+            <a:r>
+              <a:rPr lang="en-US" sz="6600" b="1" dirty="0">
+                <a:latin typeface="VNI-Times" pitchFamily="2" charset="0"/>
+                <a:ea typeface="Times New Roman"/>
+                <a:cs typeface="Times New Roman"/>
+              </a:rPr>
+              <a:t> </a:t>
+            </a:r>
+            <a:r>
+              <a:rPr lang="en-US" sz="6600" b="1" dirty="0" err="1">
+                <a:latin typeface="VNI-Times" pitchFamily="2" charset="0"/>
+                <a:ea typeface="Times New Roman"/>
+                <a:cs typeface="Times New Roman"/>
+              </a:rPr>
+              <a:t>bình</a:t>
+            </a:r>
+            <a:r>
+              <a:rPr lang="en-US" sz="6600" b="1" dirty="0">
+                <a:latin typeface="VNI-Times" pitchFamily="2" charset="0"/>
+                <a:ea typeface="Times New Roman"/>
+                <a:cs typeface="Times New Roman"/>
+              </a:rPr>
+              <a:t>.</a:t>
             </a:r>
             <a:endParaRPr lang="en-US" sz="6600" b="1" dirty="0">
-              <a:latin typeface="VNI-Korin" pitchFamily="2" charset="0"/>
+              <a:latin typeface="VNI-Times" pitchFamily="2" charset="0"/>
             </a:endParaRPr>
           </a:p>
         </p:txBody>
@@ -7533,13 +7841,6 @@
   <p:clrMapOvr>
     <a:masterClrMapping/>
   </p:clrMapOvr>
-  <p:timing>
-    <p:tnLst>
-      <p:par>
-        <p:cTn id="1" dur="indefinite" restart="never" nodeType="tmRoot"/>
-      </p:par>
-    </p:tnLst>
-  </p:timing>
 </p:sld>
 </file>
 
@@ -7732,7 +8033,7 @@
         <p:spPr>
           <a:xfrm>
             <a:off x="712628" y="228600"/>
-            <a:ext cx="8355172" cy="492443"/>
+            <a:ext cx="4039888" cy="492443"/>
           </a:xfrm>
           <a:prstGeom prst="rect">
             <a:avLst/>
@@ -7794,7 +8095,7 @@
                     </a:srgbClr>
                   </a:outerShdw>
                 </a:effectLst>
-                <a:latin typeface="HP-Thunder" pitchFamily="34" charset="0"/>
+                <a:latin typeface="VNI-Times" pitchFamily="2" charset="0"/>
                 <a:cs typeface="+mn-cs"/>
               </a:rPr>
               <a:t>CUNG KÍNH TOÂN VINH</a:t>
@@ -7832,59 +8133,122 @@
           <a:p>
             <a:pPr algn="ctr"/>
             <a:r>
-              <a:rPr lang="en-US" sz="6600" b="1">
-                <a:latin typeface="VNI-Korin" pitchFamily="2" charset="0"/>
+              <a:rPr lang="en-US" sz="6600" b="1" dirty="0">
+                <a:latin typeface="VNI-Times" pitchFamily="2" charset="0"/>
+              </a:rPr>
+              <a:t> Vinh </a:t>
+            </a:r>
+            <a:r>
+              <a:rPr lang="en-US" sz="6600" b="1" dirty="0" err="1">
+                <a:latin typeface="VNI-Times" pitchFamily="2" charset="0"/>
+              </a:rPr>
+              <a:t>thay</a:t>
+            </a:r>
+            <a:r>
+              <a:rPr lang="en-US" sz="6600" b="1" dirty="0">
+                <a:latin typeface="VNI-Times" pitchFamily="2" charset="0"/>
+              </a:rPr>
+              <a:t>! </a:t>
+            </a:r>
+            <a:br>
+              <a:rPr lang="en-US" sz="6600" b="1" dirty="0">
+                <a:latin typeface="VNI-Times" pitchFamily="2" charset="0"/>
+              </a:rPr>
+            </a:br>
+            <a:r>
+              <a:rPr lang="en-US" sz="6600" b="1" dirty="0" err="1">
+                <a:latin typeface="VNI-Times" pitchFamily="2" charset="0"/>
+              </a:rPr>
+              <a:t>Thaùnh</a:t>
+            </a:r>
+            <a:r>
+              <a:rPr lang="en-US" sz="6600" b="1" dirty="0">
+                <a:latin typeface="VNI-Times" pitchFamily="2" charset="0"/>
               </a:rPr>
               <a:t> </a:t>
             </a:r>
             <a:r>
-              <a:rPr lang="en-US" sz="6600" b="1" smtClean="0">
-                <a:latin typeface="VNI-Korin" pitchFamily="2" charset="0"/>
-              </a:rPr>
-              <a:t>Vinh thay! </a:t>
+              <a:rPr lang="en-US" sz="6600" b="1" dirty="0" err="1">
+                <a:latin typeface="VNI-Times" pitchFamily="2" charset="0"/>
+              </a:rPr>
+              <a:t>thay</a:t>
+            </a:r>
+            <a:r>
+              <a:rPr lang="en-US" sz="6600" b="1" dirty="0">
+                <a:latin typeface="VNI-Times" pitchFamily="2" charset="0"/>
+              </a:rPr>
+              <a:t>! </a:t>
             </a:r>
             <a:br>
-              <a:rPr lang="en-US" sz="6600" b="1" smtClean="0">
-                <a:latin typeface="VNI-Korin" pitchFamily="2" charset="0"/>
+              <a:rPr lang="en-US" sz="6600" b="1" dirty="0">
+                <a:latin typeface="VNI-Times" pitchFamily="2" charset="0"/>
               </a:rPr>
             </a:br>
             <a:r>
-              <a:rPr lang="en-US" sz="6600" b="1" smtClean="0">
-                <a:latin typeface="VNI-Korin" pitchFamily="2" charset="0"/>
-              </a:rPr>
-              <a:t>Thaùnh thay! </a:t>
-            </a:r>
-            <a:r>
-              <a:rPr lang="en-US" sz="6600" b="1">
-                <a:latin typeface="VNI-Korin" pitchFamily="2" charset="0"/>
-              </a:rPr>
-              <a:t/>
+              <a:rPr lang="en-US" sz="6600" b="1" dirty="0" err="1">
+                <a:latin typeface="VNI-Times" pitchFamily="2" charset="0"/>
+              </a:rPr>
+              <a:t>Gieâ-hoâ-va</a:t>
+            </a:r>
+            <a:r>
+              <a:rPr lang="en-US" sz="6600" b="1" dirty="0">
+                <a:latin typeface="VNI-Times" pitchFamily="2" charset="0"/>
+              </a:rPr>
+              <a:t> </a:t>
+            </a:r>
+            <a:r>
+              <a:rPr lang="en-US" sz="6600" b="1" dirty="0" err="1">
+                <a:latin typeface="VNI-Times" pitchFamily="2" charset="0"/>
+              </a:rPr>
+              <a:t>voâ</a:t>
+            </a:r>
+            <a:r>
+              <a:rPr lang="en-US" sz="6600" b="1" dirty="0">
+                <a:latin typeface="VNI-Times" pitchFamily="2" charset="0"/>
+              </a:rPr>
+              <a:t> </a:t>
             </a:r>
             <a:br>
-              <a:rPr lang="en-US" sz="6600" b="1">
-                <a:latin typeface="VNI-Korin" pitchFamily="2" charset="0"/>
+              <a:rPr lang="en-US" sz="6600" b="1" dirty="0">
+                <a:latin typeface="VNI-Times" pitchFamily="2" charset="0"/>
               </a:rPr>
             </a:br>
             <a:r>
-              <a:rPr lang="en-US" sz="6600" b="1" smtClean="0">
-                <a:latin typeface="VNI-Korin" pitchFamily="2" charset="0"/>
-              </a:rPr>
-              <a:t>Gieâ-hoâ-va voâ </a:t>
-            </a:r>
-            <a:br>
-              <a:rPr lang="en-US" sz="6600" b="1" smtClean="0">
-                <a:latin typeface="VNI-Korin" pitchFamily="2" charset="0"/>
-              </a:rPr>
-            </a:br>
-            <a:r>
-              <a:rPr lang="en-US" sz="6600" b="1" smtClean="0">
-                <a:latin typeface="VNI-Korin" pitchFamily="2" charset="0"/>
-              </a:rPr>
-              <a:t>cuøng vinh hieån.</a:t>
-            </a:r>
-            <a:endParaRPr lang="en-US" sz="6600" b="1">
-              <a:latin typeface="VNI-Korin" pitchFamily="2" charset="0"/>
-            </a:endParaRPr>
+              <a:rPr lang="en-US" sz="6600" b="1" dirty="0" err="1">
+                <a:latin typeface="VNI-Times" pitchFamily="2" charset="0"/>
+              </a:rPr>
+              <a:t>cuøng</a:t>
+            </a:r>
+            <a:r>
+              <a:rPr lang="en-US" sz="6600" b="1" dirty="0">
+                <a:latin typeface="VNI-Times" pitchFamily="2" charset="0"/>
+              </a:rPr>
+              <a:t> </a:t>
+            </a:r>
+            <a:r>
+              <a:rPr lang="en-US" sz="6600" b="1" dirty="0" err="1">
+                <a:latin typeface="VNI-Times" pitchFamily="2" charset="0"/>
+              </a:rPr>
+              <a:t>vinh</a:t>
+            </a:r>
+            <a:r>
+              <a:rPr lang="en-US" sz="6600" b="1" dirty="0">
+                <a:latin typeface="VNI-Times" pitchFamily="2" charset="0"/>
+              </a:rPr>
+              <a:t> </a:t>
+            </a:r>
+            <a:r>
+              <a:rPr lang="en-US" sz="6600" b="1" dirty="0" err="1">
+                <a:latin typeface="VNI-Times" pitchFamily="2" charset="0"/>
+              </a:rPr>
+              <a:t>hieån</a:t>
+            </a:r>
+            <a:r>
+              <a:rPr lang="en-US" sz="6600" b="1" dirty="0">
+                <a:latin typeface="VNI-Times" pitchFamily="2" charset="0"/>
+              </a:rPr>
+              <a:t>.</a:t>
+            </a:r>
           </a:p>
         </p:txBody>
       </p:sp>
@@ -7893,13 +8257,6 @@
   <p:clrMapOvr>
     <a:masterClrMapping/>
   </p:clrMapOvr>
-  <p:timing>
-    <p:tnLst>
-      <p:par>
-        <p:cTn id="1" dur="indefinite" restart="never" nodeType="tmRoot"/>
-      </p:par>
-    </p:tnLst>
-  </p:timing>
 </p:sld>
 </file>
 
@@ -8092,7 +8449,7 @@
         <p:spPr>
           <a:xfrm>
             <a:off x="712628" y="228600"/>
-            <a:ext cx="8355172" cy="492443"/>
+            <a:ext cx="4039888" cy="492443"/>
           </a:xfrm>
           <a:prstGeom prst="rect">
             <a:avLst/>
@@ -8154,7 +8511,7 @@
                     </a:srgbClr>
                   </a:outerShdw>
                 </a:effectLst>
-                <a:latin typeface="HP-Thunder" pitchFamily="34" charset="0"/>
+                <a:latin typeface="VNI-Times" pitchFamily="2" charset="0"/>
                 <a:cs typeface="+mn-cs"/>
               </a:rPr>
               <a:t>CUNG KÍNH TOÂN VINH</a:t>
@@ -8192,59 +8549,122 @@
           <a:p>
             <a:pPr algn="ctr"/>
             <a:r>
-              <a:rPr lang="en-US" sz="6600" b="1">
-                <a:latin typeface="VNI-Korin" pitchFamily="2" charset="0"/>
-              </a:rPr>
-              <a:t>Ha-leâ-lu-gia</a:t>
-            </a:r>
-            <a:r>
-              <a:rPr lang="en-US" sz="6600" b="1">
-                <a:latin typeface="VNI-Korin" pitchFamily="2" charset="0"/>
+              <a:rPr lang="en-US" sz="6600" b="1" dirty="0">
+                <a:latin typeface="VNI-Times" pitchFamily="2" charset="0"/>
+              </a:rPr>
+              <a:t>Ha-</a:t>
+            </a:r>
+            <a:r>
+              <a:rPr lang="en-US" sz="6600" b="1" dirty="0" err="1">
+                <a:latin typeface="VNI-Times" pitchFamily="2" charset="0"/>
+              </a:rPr>
+              <a:t>leâ</a:t>
+            </a:r>
+            <a:r>
+              <a:rPr lang="en-US" sz="6600" b="1" dirty="0">
+                <a:latin typeface="VNI-Times" pitchFamily="2" charset="0"/>
+              </a:rPr>
+              <a:t>-</a:t>
+            </a:r>
+            <a:r>
+              <a:rPr lang="en-US" sz="6600" b="1" dirty="0" err="1">
+                <a:latin typeface="VNI-Times" pitchFamily="2" charset="0"/>
+              </a:rPr>
+              <a:t>lu-gia</a:t>
+            </a:r>
+            <a:r>
+              <a:rPr lang="en-US" sz="6600" b="1" dirty="0">
+                <a:latin typeface="VNI-Times" pitchFamily="2" charset="0"/>
               </a:rPr>
               <a:t>! </a:t>
             </a:r>
-            <a:r>
-              <a:rPr lang="en-US" sz="6600" b="1" smtClean="0">
-                <a:latin typeface="VNI-Korin" pitchFamily="2" charset="0"/>
-              </a:rPr>
-              <a:t/>
-            </a:r>
             <a:br>
-              <a:rPr lang="en-US" sz="6600" b="1" smtClean="0">
-                <a:latin typeface="VNI-Korin" pitchFamily="2" charset="0"/>
+              <a:rPr lang="en-US" sz="6600" b="1" dirty="0">
+                <a:latin typeface="VNI-Times" pitchFamily="2" charset="0"/>
               </a:rPr>
             </a:br>
             <a:r>
-              <a:rPr lang="en-US" sz="6600" b="1" smtClean="0">
-                <a:latin typeface="VNI-Korin" pitchFamily="2" charset="0"/>
-              </a:rPr>
-              <a:t>Toân vinh </a:t>
+              <a:rPr lang="en-US" sz="6600" b="1" dirty="0" err="1">
+                <a:latin typeface="VNI-Times" pitchFamily="2" charset="0"/>
+              </a:rPr>
+              <a:t>Toân</a:t>
+            </a:r>
+            <a:r>
+              <a:rPr lang="en-US" sz="6600" b="1" dirty="0">
+                <a:latin typeface="VNI-Times" pitchFamily="2" charset="0"/>
+              </a:rPr>
+              <a:t> </a:t>
+            </a:r>
+            <a:r>
+              <a:rPr lang="en-US" sz="6600" b="1" dirty="0" err="1">
+                <a:latin typeface="VNI-Times" pitchFamily="2" charset="0"/>
+              </a:rPr>
+              <a:t>vinh</a:t>
+            </a:r>
+            <a:r>
+              <a:rPr lang="en-US" sz="6600" b="1" dirty="0">
+                <a:latin typeface="VNI-Times" pitchFamily="2" charset="0"/>
+              </a:rPr>
+              <a:t> </a:t>
             </a:r>
             <a:br>
-              <a:rPr lang="en-US" sz="6600" b="1" smtClean="0">
-                <a:latin typeface="VNI-Korin" pitchFamily="2" charset="0"/>
+              <a:rPr lang="en-US" sz="6600" b="1" dirty="0">
+                <a:latin typeface="VNI-Times" pitchFamily="2" charset="0"/>
               </a:rPr>
             </a:br>
             <a:r>
-              <a:rPr lang="en-US" sz="6600" b="1" smtClean="0">
-                <a:latin typeface="VNI-Korin" pitchFamily="2" charset="0"/>
-              </a:rPr>
-              <a:t>Gieâ-hoâ-va </a:t>
+              <a:rPr lang="en-US" sz="6600" b="1" dirty="0" err="1">
+                <a:latin typeface="VNI-Times" pitchFamily="2" charset="0"/>
+              </a:rPr>
+              <a:t>Gieâ-hoâ-va</a:t>
+            </a:r>
+            <a:r>
+              <a:rPr lang="en-US" sz="6600" b="1" dirty="0">
+                <a:latin typeface="VNI-Times" pitchFamily="2" charset="0"/>
+              </a:rPr>
+              <a:t> </a:t>
             </a:r>
             <a:br>
-              <a:rPr lang="en-US" sz="6600" b="1" smtClean="0">
-                <a:latin typeface="VNI-Korin" pitchFamily="2" charset="0"/>
+              <a:rPr lang="en-US" sz="6600" b="1" dirty="0">
+                <a:latin typeface="VNI-Times" pitchFamily="2" charset="0"/>
               </a:rPr>
             </a:br>
             <a:r>
-              <a:rPr lang="en-US" sz="6600" b="1" smtClean="0">
-                <a:latin typeface="VNI-Korin" pitchFamily="2" charset="0"/>
-              </a:rPr>
-              <a:t>Vua ñôøi ñôøi.</a:t>
-            </a:r>
-            <a:endParaRPr lang="en-US" sz="6600" b="1">
-              <a:latin typeface="VNI-Korin" pitchFamily="2" charset="0"/>
-            </a:endParaRPr>
+              <a:rPr lang="en-US" sz="6600" b="1" dirty="0" err="1">
+                <a:latin typeface="VNI-Times" pitchFamily="2" charset="0"/>
+              </a:rPr>
+              <a:t>Vua</a:t>
+            </a:r>
+            <a:r>
+              <a:rPr lang="en-US" sz="6600" b="1" dirty="0">
+                <a:latin typeface="VNI-Times" pitchFamily="2" charset="0"/>
+              </a:rPr>
+              <a:t> </a:t>
+            </a:r>
+            <a:r>
+              <a:rPr lang="en-US" sz="6600" b="1" dirty="0" err="1">
+                <a:latin typeface="VNI-Times" pitchFamily="2" charset="0"/>
+              </a:rPr>
+              <a:t>ñôøi</a:t>
+            </a:r>
+            <a:r>
+              <a:rPr lang="en-US" sz="6600" b="1" dirty="0">
+                <a:latin typeface="VNI-Times" pitchFamily="2" charset="0"/>
+              </a:rPr>
+              <a:t> </a:t>
+            </a:r>
+            <a:r>
+              <a:rPr lang="en-US" sz="6600" b="1" dirty="0" err="1">
+                <a:latin typeface="VNI-Times" pitchFamily="2" charset="0"/>
+              </a:rPr>
+              <a:t>ñôøi</a:t>
+            </a:r>
+            <a:r>
+              <a:rPr lang="en-US" sz="6600" b="1" dirty="0">
+                <a:latin typeface="VNI-Times" pitchFamily="2" charset="0"/>
+              </a:rPr>
+              <a:t>.</a:t>
+            </a:r>
           </a:p>
         </p:txBody>
       </p:sp>
@@ -8258,13 +8678,6 @@
   <p:clrMapOvr>
     <a:masterClrMapping/>
   </p:clrMapOvr>
-  <p:timing>
-    <p:tnLst>
-      <p:par>
-        <p:cTn id="1" dur="indefinite" restart="never" nodeType="tmRoot"/>
-      </p:par>
-    </p:tnLst>
-  </p:timing>
 </p:sld>
 </file>
 
@@ -8457,7 +8870,7 @@
         <p:spPr>
           <a:xfrm>
             <a:off x="712628" y="228600"/>
-            <a:ext cx="8355172" cy="492443"/>
+            <a:ext cx="4039888" cy="492443"/>
           </a:xfrm>
           <a:prstGeom prst="rect">
             <a:avLst/>
@@ -8519,7 +8932,7 @@
                     </a:srgbClr>
                   </a:outerShdw>
                 </a:effectLst>
-                <a:latin typeface="HP-Thunder" pitchFamily="34" charset="0"/>
+                <a:latin typeface="VNI-Times" pitchFamily="2" charset="0"/>
                 <a:cs typeface="+mn-cs"/>
               </a:rPr>
               <a:t>CUNG KÍNH TOÂN VINH</a:t>
@@ -8557,43 +8970,118 @@
           <a:p>
             <a:pPr algn="ctr"/>
             <a:r>
-              <a:rPr lang="en-US" sz="4400" b="1" smtClean="0">
-                <a:latin typeface="VNI-Korin" pitchFamily="2" charset="0"/>
+              <a:rPr lang="en-US" sz="4400" b="1" dirty="0">
+                <a:latin typeface="VNI-Times" pitchFamily="2" charset="0"/>
               </a:rPr>
               <a:t>2.</a:t>
             </a:r>
             <a:r>
-              <a:rPr lang="en-US" sz="6600" b="1" smtClean="0">
-                <a:latin typeface="VNI-Korin" pitchFamily="2" charset="0"/>
-              </a:rPr>
-              <a:t> Naøo cuøng nhau ta lôùn tieáng </a:t>
-            </a:r>
-            <a:r>
-              <a:rPr lang="en-US" sz="6600" b="1" smtClean="0">
-                <a:latin typeface="VNI-Korin" pitchFamily="2" charset="0"/>
-              </a:rPr>
-              <a:t>haùt </a:t>
+              <a:rPr lang="en-US" sz="6600" b="1" dirty="0">
+                <a:latin typeface="VNI-Times" pitchFamily="2" charset="0"/>
+              </a:rPr>
+              <a:t> </a:t>
+            </a:r>
+            <a:r>
+              <a:rPr lang="en-US" sz="6600" b="1" dirty="0" err="1">
+                <a:latin typeface="VNI-Times" pitchFamily="2" charset="0"/>
+              </a:rPr>
+              <a:t>Naøo</a:t>
+            </a:r>
+            <a:r>
+              <a:rPr lang="en-US" sz="6600" b="1" dirty="0">
+                <a:latin typeface="VNI-Times" pitchFamily="2" charset="0"/>
+              </a:rPr>
+              <a:t> </a:t>
+            </a:r>
+            <a:r>
+              <a:rPr lang="en-US" sz="6600" b="1" dirty="0" err="1">
+                <a:latin typeface="VNI-Times" pitchFamily="2" charset="0"/>
+              </a:rPr>
+              <a:t>cuøng</a:t>
+            </a:r>
+            <a:r>
+              <a:rPr lang="en-US" sz="6600" b="1" dirty="0">
+                <a:latin typeface="VNI-Times" pitchFamily="2" charset="0"/>
+              </a:rPr>
+              <a:t> </a:t>
+            </a:r>
+            <a:r>
+              <a:rPr lang="en-US" sz="6600" b="1" dirty="0" err="1">
+                <a:latin typeface="VNI-Times" pitchFamily="2" charset="0"/>
+              </a:rPr>
+              <a:t>nhau</a:t>
+            </a:r>
+            <a:r>
+              <a:rPr lang="en-US" sz="6600" b="1" dirty="0">
+                <a:latin typeface="VNI-Times" pitchFamily="2" charset="0"/>
+              </a:rPr>
+              <a:t> ta </a:t>
+            </a:r>
+            <a:r>
+              <a:rPr lang="en-US" sz="6600" b="1" dirty="0" err="1">
+                <a:latin typeface="VNI-Times" pitchFamily="2" charset="0"/>
+              </a:rPr>
+              <a:t>lôùn</a:t>
+            </a:r>
+            <a:r>
+              <a:rPr lang="en-US" sz="6600" b="1" dirty="0">
+                <a:latin typeface="VNI-Times" pitchFamily="2" charset="0"/>
+              </a:rPr>
+              <a:t> </a:t>
+            </a:r>
+            <a:r>
+              <a:rPr lang="en-US" sz="6600" b="1" dirty="0" err="1">
+                <a:latin typeface="VNI-Times" pitchFamily="2" charset="0"/>
+              </a:rPr>
+              <a:t>tieáng</a:t>
+            </a:r>
+            <a:r>
+              <a:rPr lang="en-US" sz="6600" b="1" dirty="0">
+                <a:latin typeface="VNI-Times" pitchFamily="2" charset="0"/>
+              </a:rPr>
+              <a:t> </a:t>
+            </a:r>
+            <a:r>
+              <a:rPr lang="en-US" sz="6600" b="1" dirty="0" err="1">
+                <a:latin typeface="VNI-Times" pitchFamily="2" charset="0"/>
+              </a:rPr>
+              <a:t>haùt</a:t>
+            </a:r>
+            <a:r>
+              <a:rPr lang="en-US" sz="6600" b="1" dirty="0">
+                <a:latin typeface="VNI-Times" pitchFamily="2" charset="0"/>
+              </a:rPr>
+              <a:t> </a:t>
             </a:r>
             <a:br>
-              <a:rPr lang="en-US" sz="6600" b="1" smtClean="0">
-                <a:latin typeface="VNI-Korin" pitchFamily="2" charset="0"/>
+              <a:rPr lang="en-US" sz="6600" b="1" dirty="0">
+                <a:latin typeface="VNI-Times" pitchFamily="2" charset="0"/>
               </a:rPr>
             </a:br>
             <a:r>
-              <a:rPr lang="en-US" sz="6600" b="1" smtClean="0">
-                <a:latin typeface="VNI-Korin" pitchFamily="2" charset="0"/>
-              </a:rPr>
-              <a:t>vui </a:t>
-            </a:r>
-            <a:r>
-              <a:rPr lang="en-US" sz="6600" b="1" smtClean="0">
-                <a:latin typeface="VNI-Korin" pitchFamily="2" charset="0"/>
-              </a:rPr>
-              <a:t>möøng. </a:t>
-            </a:r>
-            <a:endParaRPr lang="en-US" sz="6600" b="1">
-              <a:latin typeface="VNI-Korin" pitchFamily="2" charset="0"/>
-            </a:endParaRPr>
+              <a:rPr lang="en-US" sz="6600" b="1" dirty="0" err="1">
+                <a:latin typeface="VNI-Times" pitchFamily="2" charset="0"/>
+              </a:rPr>
+              <a:t>vui</a:t>
+            </a:r>
+            <a:r>
+              <a:rPr lang="en-US" sz="6600" b="1" dirty="0">
+                <a:latin typeface="VNI-Times" pitchFamily="2" charset="0"/>
+              </a:rPr>
+              <a:t> </a:t>
+            </a:r>
+            <a:r>
+              <a:rPr lang="en-US" sz="6600" b="1" dirty="0" err="1">
+                <a:latin typeface="VNI-Times" pitchFamily="2" charset="0"/>
+              </a:rPr>
+              <a:t>möøng</a:t>
+            </a:r>
+            <a:r>
+              <a:rPr lang="en-US" sz="6600" b="1" dirty="0">
+                <a:latin typeface="VNI-Times" pitchFamily="2" charset="0"/>
+              </a:rPr>
+              <a:t>. </a:t>
+            </a:r>
           </a:p>
         </p:txBody>
       </p:sp>
@@ -8602,13 +9090,6 @@
   <p:clrMapOvr>
     <a:masterClrMapping/>
   </p:clrMapOvr>
-  <p:timing>
-    <p:tnLst>
-      <p:par>
-        <p:cTn id="1" dur="indefinite" restart="never" nodeType="tmRoot"/>
-      </p:par>
-    </p:tnLst>
-  </p:timing>
 </p:sld>
 </file>
 
@@ -8801,7 +9282,7 @@
         <p:spPr>
           <a:xfrm>
             <a:off x="712628" y="228600"/>
-            <a:ext cx="8355172" cy="492443"/>
+            <a:ext cx="4039888" cy="492443"/>
           </a:xfrm>
           <a:prstGeom prst="rect">
             <a:avLst/>
@@ -8863,7 +9344,7 @@
                     </a:srgbClr>
                   </a:outerShdw>
                 </a:effectLst>
-                <a:latin typeface="HP-Thunder" pitchFamily="34" charset="0"/>
+                <a:latin typeface="VNI-Times" pitchFamily="2" charset="0"/>
                 <a:cs typeface="+mn-cs"/>
               </a:rPr>
               <a:t>CUNG KÍNH TOÂN VINH</a:t>
@@ -8901,37 +9382,94 @@
           <a:p>
             <a:pPr algn="ctr"/>
             <a:r>
-              <a:rPr lang="en-US" sz="6600" b="1">
-                <a:latin typeface="VNI-Korin" pitchFamily="2" charset="0"/>
-              </a:rPr>
-              <a:t>Daâng </a:t>
-            </a:r>
-            <a:r>
-              <a:rPr lang="en-US" sz="6600" b="1" smtClean="0">
-                <a:latin typeface="VNI-Korin" pitchFamily="2" charset="0"/>
-              </a:rPr>
-              <a:t>leân </a:t>
+              <a:rPr lang="en-US" sz="6600" b="1" dirty="0" err="1">
+                <a:latin typeface="VNI-Times" pitchFamily="2" charset="0"/>
+              </a:rPr>
+              <a:t>Daâng</a:t>
+            </a:r>
+            <a:r>
+              <a:rPr lang="en-US" sz="6600" b="1" dirty="0">
+                <a:latin typeface="VNI-Times" pitchFamily="2" charset="0"/>
+              </a:rPr>
+              <a:t> </a:t>
+            </a:r>
+            <a:r>
+              <a:rPr lang="en-US" sz="6600" b="1" dirty="0" err="1">
+                <a:latin typeface="VNI-Times" pitchFamily="2" charset="0"/>
+              </a:rPr>
+              <a:t>leân</a:t>
+            </a:r>
+            <a:r>
+              <a:rPr lang="en-US" sz="6600" b="1" dirty="0">
+                <a:latin typeface="VNI-Times" pitchFamily="2" charset="0"/>
+              </a:rPr>
+              <a:t> </a:t>
             </a:r>
             <a:br>
-              <a:rPr lang="en-US" sz="6600" b="1" smtClean="0">
-                <a:latin typeface="VNI-Korin" pitchFamily="2" charset="0"/>
+              <a:rPr lang="en-US" sz="6600" b="1" dirty="0">
+                <a:latin typeface="VNI-Times" pitchFamily="2" charset="0"/>
               </a:rPr>
             </a:br>
             <a:r>
-              <a:rPr lang="en-US" sz="6600" b="1" smtClean="0">
-                <a:latin typeface="VNI-Korin" pitchFamily="2" charset="0"/>
-              </a:rPr>
-              <a:t>Jeâsus </a:t>
-            </a:r>
-            <a:r>
-              <a:rPr lang="en-US" sz="6600" b="1">
-                <a:latin typeface="VNI-Korin" pitchFamily="2" charset="0"/>
-              </a:rPr>
-              <a:t>muoân lôøi chuùc toân.</a:t>
-            </a:r>
-            <a:endParaRPr lang="en-US" sz="6600" b="1">
-              <a:latin typeface="VNI-Korin" pitchFamily="2" charset="0"/>
-            </a:endParaRPr>
+              <a:rPr lang="en-US" sz="6600" b="1" dirty="0" err="1">
+                <a:latin typeface="VNI-Times" pitchFamily="2" charset="0"/>
+              </a:rPr>
+              <a:t>Jeâsus</a:t>
+            </a:r>
+            <a:r>
+              <a:rPr lang="en-US" sz="6600" b="1" dirty="0">
+                <a:latin typeface="VNI-Times" pitchFamily="2" charset="0"/>
+              </a:rPr>
+              <a:t> </a:t>
+            </a:r>
+            <a:r>
+              <a:rPr lang="en-US" sz="6600" b="1" dirty="0" err="1">
+                <a:latin typeface="VNI-Times" pitchFamily="2" charset="0"/>
+              </a:rPr>
+              <a:t>muoân</a:t>
+            </a:r>
+            <a:r>
+              <a:rPr lang="en-US" sz="6600" b="1" dirty="0">
+                <a:latin typeface="VNI-Times" pitchFamily="2" charset="0"/>
+              </a:rPr>
+              <a:t> </a:t>
+            </a:r>
+            <a:r>
+              <a:rPr lang="en-US" sz="6600" b="1" dirty="0" err="1">
+                <a:latin typeface="VNI-Times" pitchFamily="2" charset="0"/>
+              </a:rPr>
+              <a:t>lôøi</a:t>
+            </a:r>
+            <a:r>
+              <a:rPr lang="en-US" sz="6600" b="1" dirty="0">
+                <a:latin typeface="VNI-Times" pitchFamily="2" charset="0"/>
+              </a:rPr>
+              <a:t> </a:t>
+            </a:r>
+            <a:r>
+              <a:rPr lang="en-US" sz="6600" b="1" dirty="0" err="1">
+                <a:latin typeface="VNI-Times" pitchFamily="2" charset="0"/>
+              </a:rPr>
+              <a:t>chuùc</a:t>
+            </a:r>
+            <a:r>
+              <a:rPr lang="en-US" sz="6600" b="1" dirty="0">
+                <a:latin typeface="VNI-Times" pitchFamily="2" charset="0"/>
+              </a:rPr>
+              <a:t> </a:t>
+            </a:r>
+            <a:r>
+              <a:rPr lang="en-US" sz="6600" b="1" dirty="0" err="1">
+                <a:latin typeface="VNI-Times" pitchFamily="2" charset="0"/>
+              </a:rPr>
+              <a:t>toân</a:t>
+            </a:r>
+            <a:r>
+              <a:rPr lang="en-US" sz="6600" b="1" dirty="0">
+                <a:latin typeface="VNI-Times" pitchFamily="2" charset="0"/>
+              </a:rPr>
+              <a:t>.</a:t>
+            </a:r>
           </a:p>
         </p:txBody>
       </p:sp>
@@ -8945,13 +9483,6 @@
   <p:clrMapOvr>
     <a:masterClrMapping/>
   </p:clrMapOvr>
-  <p:timing>
-    <p:tnLst>
-      <p:par>
-        <p:cTn id="1" dur="indefinite" restart="never" nodeType="tmRoot"/>
-      </p:par>
-    </p:tnLst>
-  </p:timing>
 </p:sld>
 </file>
 
